--- a/IntroToLinux.pptx
+++ b/IntroToLinux.pptx
@@ -5,7 +5,7 @@
     <p:sldMasterId id="2147483668" r:id="rId1"/>
   </p:sldMasterIdLst>
   <p:notesMasterIdLst>
-    <p:notesMasterId r:id="rId57"/>
+    <p:notesMasterId r:id="rId35"/>
   </p:notesMasterIdLst>
   <p:sldIdLst>
     <p:sldId id="256" r:id="rId2"/>
@@ -40,29 +40,7 @@
     <p:sldId id="300" r:id="rId31"/>
     <p:sldId id="301" r:id="rId32"/>
     <p:sldId id="312" r:id="rId33"/>
-    <p:sldId id="289" r:id="rId34"/>
-    <p:sldId id="266" r:id="rId35"/>
-    <p:sldId id="267" r:id="rId36"/>
-    <p:sldId id="283" r:id="rId37"/>
-    <p:sldId id="284" r:id="rId38"/>
-    <p:sldId id="287" r:id="rId39"/>
-    <p:sldId id="298" r:id="rId40"/>
-    <p:sldId id="275" r:id="rId41"/>
-    <p:sldId id="285" r:id="rId42"/>
-    <p:sldId id="286" r:id="rId43"/>
-    <p:sldId id="268" r:id="rId44"/>
-    <p:sldId id="295" r:id="rId45"/>
-    <p:sldId id="296" r:id="rId46"/>
-    <p:sldId id="292" r:id="rId47"/>
-    <p:sldId id="302" r:id="rId48"/>
-    <p:sldId id="294" r:id="rId49"/>
-    <p:sldId id="303" r:id="rId50"/>
-    <p:sldId id="304" r:id="rId51"/>
-    <p:sldId id="305" r:id="rId52"/>
-    <p:sldId id="306" r:id="rId53"/>
-    <p:sldId id="322" r:id="rId54"/>
-    <p:sldId id="297" r:id="rId55"/>
-    <p:sldId id="307" r:id="rId56"/>
+    <p:sldId id="307" r:id="rId34"/>
   </p:sldIdLst>
   <p:sldSz cx="12192000" cy="6858000"/>
   <p:notesSz cx="6858000" cy="9144000"/>
@@ -516,115 +494,6 @@
     </a:lvl9pPr>
   </p:notesStyle>
 </p:notesMaster>
-</file>
-
-<file path=ppt/notesSlides/notesSlide1.xml><?xml version="1.0" encoding="utf-8"?>
-<p:notes xmlns:a="http://schemas.openxmlformats.org/drawingml/2006/main" xmlns:r="http://schemas.openxmlformats.org/officeDocument/2006/relationships" xmlns:p="http://schemas.openxmlformats.org/presentationml/2006/main">
-  <p:cSld>
-    <p:spTree>
-      <p:nvGrpSpPr>
-        <p:cNvPr id="1" name=""/>
-        <p:cNvGrpSpPr/>
-        <p:nvPr/>
-      </p:nvGrpSpPr>
-      <p:grpSpPr>
-        <a:xfrm>
-          <a:off x="0" y="0"/>
-          <a:ext cx="0" cy="0"/>
-          <a:chOff x="0" y="0"/>
-          <a:chExt cx="0" cy="0"/>
-        </a:xfrm>
-      </p:grpSpPr>
-      <p:sp>
-        <p:nvSpPr>
-          <p:cNvPr id="2" name="Slide Image Placeholder 1"/>
-          <p:cNvSpPr>
-            <a:spLocks noGrp="1" noRot="1" noChangeAspect="1"/>
-          </p:cNvSpPr>
-          <p:nvPr>
-            <p:ph type="sldImg"/>
-          </p:nvPr>
-        </p:nvSpPr>
-        <p:spPr/>
-      </p:sp>
-      <p:sp>
-        <p:nvSpPr>
-          <p:cNvPr id="3" name="Notes Placeholder 2"/>
-          <p:cNvSpPr>
-            <a:spLocks noGrp="1"/>
-          </p:cNvSpPr>
-          <p:nvPr>
-            <p:ph type="body" idx="1"/>
-          </p:nvPr>
-        </p:nvSpPr>
-        <p:spPr/>
-        <p:txBody>
-          <a:bodyPr/>
-          <a:lstStyle/>
-          <a:p>
-            <a:r>
-              <a:rPr lang="en-GB" dirty="0"/>
-              <a:t>http://</a:t>
-            </a:r>
-            <a:r>
-              <a:rPr lang="en-GB" dirty="0" err="1"/>
-              <a:t>www.hypexr.org</a:t>
-            </a:r>
-            <a:r>
-              <a:rPr lang="en-GB" dirty="0"/>
-              <a:t>/</a:t>
-            </a:r>
-            <a:r>
-              <a:rPr lang="en-GB" dirty="0" err="1"/>
-              <a:t>linux_scp_help.php</a:t>
-            </a:r>
-            <a:endParaRPr lang="en-GB" dirty="0"/>
-          </a:p>
-          <a:p>
-            <a:endParaRPr lang="en-GB" dirty="0"/>
-          </a:p>
-          <a:p>
-            <a:endParaRPr lang="en-GB" dirty="0"/>
-          </a:p>
-          <a:p>
-            <a:endParaRPr lang="en-GB" dirty="0"/>
-          </a:p>
-        </p:txBody>
-      </p:sp>
-      <p:sp>
-        <p:nvSpPr>
-          <p:cNvPr id="4" name="Slide Number Placeholder 3"/>
-          <p:cNvSpPr>
-            <a:spLocks noGrp="1"/>
-          </p:cNvSpPr>
-          <p:nvPr>
-            <p:ph type="sldNum" sz="quarter" idx="5"/>
-          </p:nvPr>
-        </p:nvSpPr>
-        <p:spPr/>
-        <p:txBody>
-          <a:bodyPr/>
-          <a:lstStyle/>
-          <a:p>
-            <a:fld id="{1F576982-B916-C04C-A8C2-7500DBAA2A1B}" type="slidenum">
-              <a:rPr lang="en-GB" smtClean="0"/>
-              <a:t>40</a:t>
-            </a:fld>
-            <a:endParaRPr lang="en-GB"/>
-          </a:p>
-        </p:txBody>
-      </p:sp>
-    </p:spTree>
-    <p:extLst>
-      <p:ext uri="{BB962C8B-B14F-4D97-AF65-F5344CB8AC3E}">
-        <p14:creationId xmlns:p14="http://schemas.microsoft.com/office/powerpoint/2010/main" val="1688528607"/>
-      </p:ext>
-    </p:extLst>
-  </p:cSld>
-  <p:clrMapOvr>
-    <a:masterClrMapping/>
-  </p:clrMapOvr>
-</p:notes>
 </file>
 
 <file path=ppt/slideLayouts/slideLayout1.xml><?xml version="1.0" encoding="utf-8"?>
@@ -12590,7 +12459,7 @@
           <p:cNvPr id="2" name="Title 1">
             <a:extLst>
               <a:ext uri="{FF2B5EF4-FFF2-40B4-BE49-F238E27FC236}">
-                <a16:creationId xmlns:a16="http://schemas.microsoft.com/office/drawing/2014/main" id="{F37FA7EF-0738-4545-961F-F1BF1D3C7FCC}"/>
+                <a16:creationId xmlns:a16="http://schemas.microsoft.com/office/drawing/2014/main" id="{0292D7BF-094D-42F9-95B7-1397F045909C}"/>
               </a:ext>
             </a:extLst>
           </p:cNvPr>
@@ -12607,18 +12476,18 @@
           <a:lstStyle/>
           <a:p>
             <a:r>
-              <a:rPr lang="en-GB" sz="7200" dirty="0"/>
-              <a:t>Rosalind</a:t>
-            </a:r>
-          </a:p>
-        </p:txBody>
-      </p:sp>
-      <p:sp>
-        <p:nvSpPr>
-          <p:cNvPr id="3" name="Text Placeholder 2">
+              <a:rPr lang="en-US" dirty="0"/>
+              <a:t>Credits</a:t>
+            </a:r>
+          </a:p>
+        </p:txBody>
+      </p:sp>
+      <p:sp>
+        <p:nvSpPr>
+          <p:cNvPr id="3" name="Content Placeholder 2">
             <a:extLst>
               <a:ext uri="{FF2B5EF4-FFF2-40B4-BE49-F238E27FC236}">
-                <a16:creationId xmlns:a16="http://schemas.microsoft.com/office/drawing/2014/main" id="{46E855D6-436C-0843-9C23-06D6D2EA1B0E}"/>
+                <a16:creationId xmlns:a16="http://schemas.microsoft.com/office/drawing/2014/main" id="{5615D116-A3D6-4901-B0BE-25C1239E4A7E}"/>
               </a:ext>
             </a:extLst>
           </p:cNvPr>
@@ -12626,7 +12495,7 @@
             <a:spLocks noGrp="1"/>
           </p:cNvSpPr>
           <p:nvPr>
-            <p:ph type="body" idx="1"/>
+            <p:ph idx="1"/>
           </p:nvPr>
         </p:nvSpPr>
         <p:spPr/>
@@ -12634,865 +12503,20 @@
           <a:bodyPr/>
           <a:lstStyle/>
           <a:p>
-            <a:endParaRPr lang="en-GB"/>
+            <a:r>
+              <a:rPr lang="en-US" dirty="0"/>
+              <a:t>Many were adopted from C3SE introduction course</a:t>
+            </a:r>
+          </a:p>
+          <a:p>
+            <a:endParaRPr lang="en-US" dirty="0"/>
           </a:p>
         </p:txBody>
       </p:sp>
     </p:spTree>
     <p:extLst>
       <p:ext uri="{BB962C8B-B14F-4D97-AF65-F5344CB8AC3E}">
-        <p14:creationId xmlns:p14="http://schemas.microsoft.com/office/powerpoint/2010/main" val="1662716799"/>
-      </p:ext>
-    </p:extLst>
-  </p:cSld>
-  <p:clrMapOvr>
-    <a:masterClrMapping/>
-  </p:clrMapOvr>
-</p:sld>
-</file>
-
-<file path=ppt/slides/slide34.xml><?xml version="1.0" encoding="utf-8"?>
-<p:sld xmlns:a="http://schemas.openxmlformats.org/drawingml/2006/main" xmlns:r="http://schemas.openxmlformats.org/officeDocument/2006/relationships" xmlns:p="http://schemas.openxmlformats.org/presentationml/2006/main">
-  <p:cSld>
-    <p:spTree>
-      <p:nvGrpSpPr>
-        <p:cNvPr id="1" name=""/>
-        <p:cNvGrpSpPr/>
-        <p:nvPr/>
-      </p:nvGrpSpPr>
-      <p:grpSpPr>
-        <a:xfrm>
-          <a:off x="0" y="0"/>
-          <a:ext cx="0" cy="0"/>
-          <a:chOff x="0" y="0"/>
-          <a:chExt cx="0" cy="0"/>
-        </a:xfrm>
-      </p:grpSpPr>
-      <p:sp>
-        <p:nvSpPr>
-          <p:cNvPr id="2" name="Title 1">
-            <a:extLst>
-              <a:ext uri="{FF2B5EF4-FFF2-40B4-BE49-F238E27FC236}">
-                <a16:creationId xmlns:a16="http://schemas.microsoft.com/office/drawing/2014/main" id="{A445CB7F-27AC-427C-86D5-5B39B85D4690}"/>
-              </a:ext>
-            </a:extLst>
-          </p:cNvPr>
-          <p:cNvSpPr>
-            <a:spLocks noGrp="1"/>
-          </p:cNvSpPr>
-          <p:nvPr>
-            <p:ph type="title"/>
-          </p:nvPr>
-        </p:nvSpPr>
-        <p:spPr/>
-        <p:txBody>
-          <a:bodyPr>
-            <a:normAutofit/>
-          </a:bodyPr>
-          <a:lstStyle/>
-          <a:p>
-            <a:r>
-              <a:rPr lang="en-US" sz="3600" dirty="0"/>
-              <a:t>How to access Rosalind HPC server (Linux)</a:t>
-            </a:r>
-          </a:p>
-        </p:txBody>
-      </p:sp>
-      <p:sp>
-        <p:nvSpPr>
-          <p:cNvPr id="3" name="Content Placeholder 2">
-            <a:extLst>
-              <a:ext uri="{FF2B5EF4-FFF2-40B4-BE49-F238E27FC236}">
-                <a16:creationId xmlns:a16="http://schemas.microsoft.com/office/drawing/2014/main" id="{0A62312A-CB7B-4092-909B-76AED9E4AA0D}"/>
-              </a:ext>
-            </a:extLst>
-          </p:cNvPr>
-          <p:cNvSpPr>
-            <a:spLocks noGrp="1"/>
-          </p:cNvSpPr>
-          <p:nvPr>
-            <p:ph idx="1"/>
-          </p:nvPr>
-        </p:nvSpPr>
-        <p:spPr/>
-        <p:txBody>
-          <a:bodyPr/>
-          <a:lstStyle/>
-          <a:p>
-            <a:r>
-              <a:rPr lang="en-US" sz="2400" dirty="0"/>
-              <a:t>SSH protocol </a:t>
-            </a:r>
-            <a:r>
-              <a:rPr lang="en-US" sz="2400" dirty="0">
-                <a:sym typeface="Wingdings" panose="05000000000000000000" pitchFamily="2" charset="2"/>
-              </a:rPr>
-              <a:t> via command</a:t>
-            </a:r>
-            <a:endParaRPr lang="en-US" sz="2400" dirty="0"/>
-          </a:p>
-          <a:p>
-            <a:r>
-              <a:rPr lang="en-US" sz="2400" dirty="0"/>
-              <a:t>SFTP protocol </a:t>
-            </a:r>
-            <a:r>
-              <a:rPr lang="en-US" sz="2400" dirty="0">
-                <a:sym typeface="Wingdings" panose="05000000000000000000" pitchFamily="2" charset="2"/>
-              </a:rPr>
-              <a:t> via files</a:t>
-            </a:r>
-            <a:endParaRPr lang="en-US" sz="2400" dirty="0"/>
-          </a:p>
-          <a:p>
-            <a:r>
-              <a:rPr lang="en-US" sz="2400" dirty="0"/>
-              <a:t>HTTP protocol </a:t>
-            </a:r>
-            <a:r>
-              <a:rPr lang="en-US" sz="2400" dirty="0">
-                <a:sym typeface="Wingdings" panose="05000000000000000000" pitchFamily="2" charset="2"/>
-              </a:rPr>
-              <a:t> via webpage</a:t>
-            </a:r>
-            <a:endParaRPr lang="en-US" sz="2400" dirty="0"/>
-          </a:p>
-        </p:txBody>
-      </p:sp>
-    </p:spTree>
-    <p:extLst>
-      <p:ext uri="{BB962C8B-B14F-4D97-AF65-F5344CB8AC3E}">
-        <p14:creationId xmlns:p14="http://schemas.microsoft.com/office/powerpoint/2010/main" val="2016365792"/>
-      </p:ext>
-    </p:extLst>
-  </p:cSld>
-  <p:clrMapOvr>
-    <a:masterClrMapping/>
-  </p:clrMapOvr>
-</p:sld>
-</file>
-
-<file path=ppt/slides/slide35.xml><?xml version="1.0" encoding="utf-8"?>
-<p:sld xmlns:a="http://schemas.openxmlformats.org/drawingml/2006/main" xmlns:r="http://schemas.openxmlformats.org/officeDocument/2006/relationships" xmlns:p="http://schemas.openxmlformats.org/presentationml/2006/main">
-  <p:cSld>
-    <p:spTree>
-      <p:nvGrpSpPr>
-        <p:cNvPr id="1" name=""/>
-        <p:cNvGrpSpPr/>
-        <p:nvPr/>
-      </p:nvGrpSpPr>
-      <p:grpSpPr>
-        <a:xfrm>
-          <a:off x="0" y="0"/>
-          <a:ext cx="0" cy="0"/>
-          <a:chOff x="0" y="0"/>
-          <a:chExt cx="0" cy="0"/>
-        </a:xfrm>
-      </p:grpSpPr>
-      <p:sp>
-        <p:nvSpPr>
-          <p:cNvPr id="2" name="Title 1">
-            <a:extLst>
-              <a:ext uri="{FF2B5EF4-FFF2-40B4-BE49-F238E27FC236}">
-                <a16:creationId xmlns:a16="http://schemas.microsoft.com/office/drawing/2014/main" id="{A445CB7F-27AC-427C-86D5-5B39B85D4690}"/>
-              </a:ext>
-            </a:extLst>
-          </p:cNvPr>
-          <p:cNvSpPr>
-            <a:spLocks noGrp="1"/>
-          </p:cNvSpPr>
-          <p:nvPr>
-            <p:ph type="title"/>
-          </p:nvPr>
-        </p:nvSpPr>
-        <p:spPr/>
-        <p:txBody>
-          <a:bodyPr>
-            <a:normAutofit/>
-          </a:bodyPr>
-          <a:lstStyle/>
-          <a:p>
-            <a:r>
-              <a:rPr lang="en-US" sz="3600" dirty="0"/>
-              <a:t>How to access Rosalind HPC server (Linux)</a:t>
-            </a:r>
-          </a:p>
-        </p:txBody>
-      </p:sp>
-      <p:sp>
-        <p:nvSpPr>
-          <p:cNvPr id="3" name="Content Placeholder 2">
-            <a:extLst>
-              <a:ext uri="{FF2B5EF4-FFF2-40B4-BE49-F238E27FC236}">
-                <a16:creationId xmlns:a16="http://schemas.microsoft.com/office/drawing/2014/main" id="{0A62312A-CB7B-4092-909B-76AED9E4AA0D}"/>
-              </a:ext>
-            </a:extLst>
-          </p:cNvPr>
-          <p:cNvSpPr>
-            <a:spLocks noGrp="1"/>
-          </p:cNvSpPr>
-          <p:nvPr>
-            <p:ph idx="1"/>
-          </p:nvPr>
-        </p:nvSpPr>
-        <p:spPr/>
-        <p:txBody>
-          <a:bodyPr/>
-          <a:lstStyle/>
-          <a:p>
-            <a:r>
-              <a:rPr lang="en-US" dirty="0" err="1">
-                <a:sym typeface="Wingdings" panose="05000000000000000000" pitchFamily="2" charset="2"/>
-              </a:rPr>
-              <a:t>Macbook</a:t>
-            </a:r>
-            <a:r>
-              <a:rPr lang="en-US" dirty="0">
-                <a:sym typeface="Wingdings" panose="05000000000000000000" pitchFamily="2" charset="2"/>
-              </a:rPr>
-              <a:t>  Use </a:t>
-            </a:r>
-            <a:r>
-              <a:rPr lang="en-US" b="1" dirty="0">
-                <a:sym typeface="Wingdings" panose="05000000000000000000" pitchFamily="2" charset="2"/>
-              </a:rPr>
-              <a:t>Terminal </a:t>
-            </a:r>
-            <a:r>
-              <a:rPr lang="en-US" dirty="0">
-                <a:sym typeface="Wingdings" panose="05000000000000000000" pitchFamily="2" charset="2"/>
-              </a:rPr>
-              <a:t> providing Unix/Linux commands and SSH terminal </a:t>
-            </a:r>
-          </a:p>
-          <a:p>
-            <a:endParaRPr lang="en-US" dirty="0"/>
-          </a:p>
-        </p:txBody>
-      </p:sp>
-      <p:pic>
-        <p:nvPicPr>
-          <p:cNvPr id="3074" name="Picture 2" descr="Image result for mac os terminal">
-            <a:extLst>
-              <a:ext uri="{FF2B5EF4-FFF2-40B4-BE49-F238E27FC236}">
-                <a16:creationId xmlns:a16="http://schemas.microsoft.com/office/drawing/2014/main" id="{39C09B7F-CF4E-4E2E-B1DC-C7856227FBEF}"/>
-              </a:ext>
-            </a:extLst>
-          </p:cNvPr>
-          <p:cNvPicPr>
-            <a:picLocks noChangeAspect="1" noChangeArrowheads="1"/>
-          </p:cNvPicPr>
-          <p:nvPr/>
-        </p:nvPicPr>
-        <p:blipFill>
-          <a:blip r:embed="rId2">
-            <a:extLst>
-              <a:ext uri="{28A0092B-C50C-407E-A947-70E740481C1C}">
-                <a14:useLocalDpi xmlns:a14="http://schemas.microsoft.com/office/drawing/2010/main" val="0"/>
-              </a:ext>
-            </a:extLst>
-          </a:blip>
-          <a:srcRect/>
-          <a:stretch>
-            <a:fillRect/>
-          </a:stretch>
-        </p:blipFill>
-        <p:spPr bwMode="auto">
-          <a:xfrm>
-            <a:off x="3021430" y="2976318"/>
-            <a:ext cx="6149139" cy="4208536"/>
-          </a:xfrm>
-          <a:prstGeom prst="rect">
-            <a:avLst/>
-          </a:prstGeom>
-          <a:noFill/>
-          <a:extLst>
-            <a:ext uri="{909E8E84-426E-40DD-AFC4-6F175D3DCCD1}">
-              <a14:hiddenFill xmlns:a14="http://schemas.microsoft.com/office/drawing/2010/main">
-                <a:solidFill>
-                  <a:srgbClr val="FFFFFF"/>
-                </a:solidFill>
-              </a14:hiddenFill>
-            </a:ext>
-          </a:extLst>
-        </p:spPr>
-      </p:pic>
-    </p:spTree>
-    <p:extLst>
-      <p:ext uri="{BB962C8B-B14F-4D97-AF65-F5344CB8AC3E}">
-        <p14:creationId xmlns:p14="http://schemas.microsoft.com/office/powerpoint/2010/main" val="3391066593"/>
-      </p:ext>
-    </p:extLst>
-  </p:cSld>
-  <p:clrMapOvr>
-    <a:masterClrMapping/>
-  </p:clrMapOvr>
-</p:sld>
-</file>
-
-<file path=ppt/slides/slide36.xml><?xml version="1.0" encoding="utf-8"?>
-<p:sld xmlns:a="http://schemas.openxmlformats.org/drawingml/2006/main" xmlns:r="http://schemas.openxmlformats.org/officeDocument/2006/relationships" xmlns:p="http://schemas.openxmlformats.org/presentationml/2006/main">
-  <p:cSld>
-    <p:spTree>
-      <p:nvGrpSpPr>
-        <p:cNvPr id="1" name=""/>
-        <p:cNvGrpSpPr/>
-        <p:nvPr/>
-      </p:nvGrpSpPr>
-      <p:grpSpPr>
-        <a:xfrm>
-          <a:off x="0" y="0"/>
-          <a:ext cx="0" cy="0"/>
-          <a:chOff x="0" y="0"/>
-          <a:chExt cx="0" cy="0"/>
-        </a:xfrm>
-      </p:grpSpPr>
-      <p:sp>
-        <p:nvSpPr>
-          <p:cNvPr id="2" name="Title 1">
-            <a:extLst>
-              <a:ext uri="{FF2B5EF4-FFF2-40B4-BE49-F238E27FC236}">
-                <a16:creationId xmlns:a16="http://schemas.microsoft.com/office/drawing/2014/main" id="{A445CB7F-27AC-427C-86D5-5B39B85D4690}"/>
-              </a:ext>
-            </a:extLst>
-          </p:cNvPr>
-          <p:cNvSpPr>
-            <a:spLocks noGrp="1"/>
-          </p:cNvSpPr>
-          <p:nvPr>
-            <p:ph type="title"/>
-          </p:nvPr>
-        </p:nvSpPr>
-        <p:spPr/>
-        <p:txBody>
-          <a:bodyPr>
-            <a:normAutofit/>
-          </a:bodyPr>
-          <a:lstStyle/>
-          <a:p>
-            <a:r>
-              <a:rPr lang="en-US" sz="3600" dirty="0"/>
-              <a:t>How to access Rosalind HPC server (Linux)</a:t>
-            </a:r>
-          </a:p>
-        </p:txBody>
-      </p:sp>
-      <p:sp>
-        <p:nvSpPr>
-          <p:cNvPr id="3" name="Content Placeholder 2">
-            <a:extLst>
-              <a:ext uri="{FF2B5EF4-FFF2-40B4-BE49-F238E27FC236}">
-                <a16:creationId xmlns:a16="http://schemas.microsoft.com/office/drawing/2014/main" id="{0A62312A-CB7B-4092-909B-76AED9E4AA0D}"/>
-              </a:ext>
-            </a:extLst>
-          </p:cNvPr>
-          <p:cNvSpPr>
-            <a:spLocks noGrp="1"/>
-          </p:cNvSpPr>
-          <p:nvPr>
-            <p:ph idx="1"/>
-          </p:nvPr>
-        </p:nvSpPr>
-        <p:spPr/>
-        <p:txBody>
-          <a:bodyPr/>
-          <a:lstStyle/>
-          <a:p>
-            <a:r>
-              <a:rPr lang="en-US" dirty="0"/>
-              <a:t>Windows laptop </a:t>
-            </a:r>
-            <a:r>
-              <a:rPr lang="en-US" dirty="0">
-                <a:sym typeface="Wingdings" panose="05000000000000000000" pitchFamily="2" charset="2"/>
-              </a:rPr>
-              <a:t> Install </a:t>
-            </a:r>
-            <a:r>
-              <a:rPr lang="en-US" dirty="0" err="1">
-                <a:sym typeface="Wingdings" panose="05000000000000000000" pitchFamily="2" charset="2"/>
-              </a:rPr>
-              <a:t>Moba-Xterm</a:t>
-            </a:r>
-            <a:r>
-              <a:rPr lang="en-US" dirty="0">
-                <a:sym typeface="Wingdings" panose="05000000000000000000" pitchFamily="2" charset="2"/>
-              </a:rPr>
-              <a:t> software  providing Unix/Linux commands on Windows &amp; SSH terminal</a:t>
-            </a:r>
-          </a:p>
-          <a:p>
-            <a:endParaRPr lang="en-US" dirty="0"/>
-          </a:p>
-        </p:txBody>
-      </p:sp>
-      <p:pic>
-        <p:nvPicPr>
-          <p:cNvPr id="4" name="Picture 3">
-            <a:extLst>
-              <a:ext uri="{FF2B5EF4-FFF2-40B4-BE49-F238E27FC236}">
-                <a16:creationId xmlns:a16="http://schemas.microsoft.com/office/drawing/2014/main" id="{098AAE59-AAE8-4116-B516-CBF9BCC4728D}"/>
-              </a:ext>
-            </a:extLst>
-          </p:cNvPr>
-          <p:cNvPicPr>
-            <a:picLocks noChangeAspect="1"/>
-          </p:cNvPicPr>
-          <p:nvPr/>
-        </p:nvPicPr>
-        <p:blipFill>
-          <a:blip r:embed="rId2"/>
-          <a:stretch>
-            <a:fillRect/>
-          </a:stretch>
-        </p:blipFill>
-        <p:spPr>
-          <a:xfrm>
-            <a:off x="3227142" y="2958348"/>
-            <a:ext cx="4890163" cy="3353552"/>
-          </a:xfrm>
-          <a:prstGeom prst="rect">
-            <a:avLst/>
-          </a:prstGeom>
-        </p:spPr>
-      </p:pic>
-    </p:spTree>
-    <p:extLst>
-      <p:ext uri="{BB962C8B-B14F-4D97-AF65-F5344CB8AC3E}">
-        <p14:creationId xmlns:p14="http://schemas.microsoft.com/office/powerpoint/2010/main" val="211715276"/>
-      </p:ext>
-    </p:extLst>
-  </p:cSld>
-  <p:clrMapOvr>
-    <a:masterClrMapping/>
-  </p:clrMapOvr>
-</p:sld>
-</file>
-
-<file path=ppt/slides/slide37.xml><?xml version="1.0" encoding="utf-8"?>
-<p:sld xmlns:a="http://schemas.openxmlformats.org/drawingml/2006/main" xmlns:r="http://schemas.openxmlformats.org/officeDocument/2006/relationships" xmlns:p="http://schemas.openxmlformats.org/presentationml/2006/main">
-  <p:cSld>
-    <p:spTree>
-      <p:nvGrpSpPr>
-        <p:cNvPr id="1" name=""/>
-        <p:cNvGrpSpPr/>
-        <p:nvPr/>
-      </p:nvGrpSpPr>
-      <p:grpSpPr>
-        <a:xfrm>
-          <a:off x="0" y="0"/>
-          <a:ext cx="0" cy="0"/>
-          <a:chOff x="0" y="0"/>
-          <a:chExt cx="0" cy="0"/>
-        </a:xfrm>
-      </p:grpSpPr>
-      <p:sp>
-        <p:nvSpPr>
-          <p:cNvPr id="2" name="Title 1">
-            <a:extLst>
-              <a:ext uri="{FF2B5EF4-FFF2-40B4-BE49-F238E27FC236}">
-                <a16:creationId xmlns:a16="http://schemas.microsoft.com/office/drawing/2014/main" id="{02842771-2BB9-4184-8654-D9812BFD17B4}"/>
-              </a:ext>
-            </a:extLst>
-          </p:cNvPr>
-          <p:cNvSpPr>
-            <a:spLocks noGrp="1"/>
-          </p:cNvSpPr>
-          <p:nvPr>
-            <p:ph type="title"/>
-          </p:nvPr>
-        </p:nvSpPr>
-        <p:spPr/>
-        <p:txBody>
-          <a:bodyPr/>
-          <a:lstStyle/>
-          <a:p>
-            <a:r>
-              <a:rPr lang="en-US" sz="3600" dirty="0"/>
-              <a:t>How to access Rosalind HPC server (Linux)</a:t>
-            </a:r>
-            <a:endParaRPr lang="en-US" dirty="0"/>
-          </a:p>
-        </p:txBody>
-      </p:sp>
-      <p:sp>
-        <p:nvSpPr>
-          <p:cNvPr id="3" name="Content Placeholder 2">
-            <a:extLst>
-              <a:ext uri="{FF2B5EF4-FFF2-40B4-BE49-F238E27FC236}">
-                <a16:creationId xmlns:a16="http://schemas.microsoft.com/office/drawing/2014/main" id="{05A58F11-3DC7-4BAB-8DDF-331A474794BC}"/>
-              </a:ext>
-            </a:extLst>
-          </p:cNvPr>
-          <p:cNvSpPr>
-            <a:spLocks noGrp="1"/>
-          </p:cNvSpPr>
-          <p:nvPr>
-            <p:ph idx="1"/>
-          </p:nvPr>
-        </p:nvSpPr>
-        <p:spPr/>
-        <p:txBody>
-          <a:bodyPr/>
-          <a:lstStyle/>
-          <a:p>
-            <a:r>
-              <a:rPr lang="en-US" dirty="0"/>
-              <a:t>Putty </a:t>
-            </a:r>
-            <a:r>
-              <a:rPr lang="en-US" dirty="0">
-                <a:sym typeface="Wingdings" panose="05000000000000000000" pitchFamily="2" charset="2"/>
-              </a:rPr>
-              <a:t> free and most simple program for SSH terminal</a:t>
-            </a:r>
-            <a:endParaRPr lang="en-US" dirty="0"/>
-          </a:p>
-        </p:txBody>
-      </p:sp>
-      <p:pic>
-        <p:nvPicPr>
-          <p:cNvPr id="5122" name="Picture 2" descr="Image result for putty">
-            <a:extLst>
-              <a:ext uri="{FF2B5EF4-FFF2-40B4-BE49-F238E27FC236}">
-                <a16:creationId xmlns:a16="http://schemas.microsoft.com/office/drawing/2014/main" id="{77F92370-8AF7-4DE0-BB89-10B0E3990ED0}"/>
-              </a:ext>
-            </a:extLst>
-          </p:cNvPr>
-          <p:cNvPicPr>
-            <a:picLocks noChangeAspect="1" noChangeArrowheads="1"/>
-          </p:cNvPicPr>
-          <p:nvPr/>
-        </p:nvPicPr>
-        <p:blipFill>
-          <a:blip r:embed="rId2">
-            <a:extLst>
-              <a:ext uri="{28A0092B-C50C-407E-A947-70E740481C1C}">
-                <a14:useLocalDpi xmlns:a14="http://schemas.microsoft.com/office/drawing/2010/main" val="0"/>
-              </a:ext>
-            </a:extLst>
-          </a:blip>
-          <a:srcRect/>
-          <a:stretch>
-            <a:fillRect/>
-          </a:stretch>
-        </p:blipFill>
-        <p:spPr bwMode="auto">
-          <a:xfrm>
-            <a:off x="3480135" y="2572302"/>
-            <a:ext cx="3754855" cy="3604661"/>
-          </a:xfrm>
-          <a:prstGeom prst="rect">
-            <a:avLst/>
-          </a:prstGeom>
-          <a:noFill/>
-          <a:extLst>
-            <a:ext uri="{909E8E84-426E-40DD-AFC4-6F175D3DCCD1}">
-              <a14:hiddenFill xmlns:a14="http://schemas.microsoft.com/office/drawing/2010/main">
-                <a:solidFill>
-                  <a:srgbClr val="FFFFFF"/>
-                </a:solidFill>
-              </a14:hiddenFill>
-            </a:ext>
-          </a:extLst>
-        </p:spPr>
-      </p:pic>
-    </p:spTree>
-    <p:extLst>
-      <p:ext uri="{BB962C8B-B14F-4D97-AF65-F5344CB8AC3E}">
-        <p14:creationId xmlns:p14="http://schemas.microsoft.com/office/powerpoint/2010/main" val="1988842082"/>
-      </p:ext>
-    </p:extLst>
-  </p:cSld>
-  <p:clrMapOvr>
-    <a:masterClrMapping/>
-  </p:clrMapOvr>
-</p:sld>
-</file>
-
-<file path=ppt/slides/slide38.xml><?xml version="1.0" encoding="utf-8"?>
-<p:sld xmlns:a="http://schemas.openxmlformats.org/drawingml/2006/main" xmlns:r="http://schemas.openxmlformats.org/officeDocument/2006/relationships" xmlns:p="http://schemas.openxmlformats.org/presentationml/2006/main">
-  <p:cSld>
-    <p:spTree>
-      <p:nvGrpSpPr>
-        <p:cNvPr id="1" name=""/>
-        <p:cNvGrpSpPr/>
-        <p:nvPr/>
-      </p:nvGrpSpPr>
-      <p:grpSpPr>
-        <a:xfrm>
-          <a:off x="0" y="0"/>
-          <a:ext cx="0" cy="0"/>
-          <a:chOff x="0" y="0"/>
-          <a:chExt cx="0" cy="0"/>
-        </a:xfrm>
-      </p:grpSpPr>
-      <p:sp>
-        <p:nvSpPr>
-          <p:cNvPr id="2" name="Title 1">
-            <a:extLst>
-              <a:ext uri="{FF2B5EF4-FFF2-40B4-BE49-F238E27FC236}">
-                <a16:creationId xmlns:a16="http://schemas.microsoft.com/office/drawing/2014/main" id="{7146E5A1-FC95-024D-8DBA-79221BE17BEA}"/>
-              </a:ext>
-            </a:extLst>
-          </p:cNvPr>
-          <p:cNvSpPr>
-            <a:spLocks noGrp="1"/>
-          </p:cNvSpPr>
-          <p:nvPr>
-            <p:ph type="title"/>
-          </p:nvPr>
-        </p:nvSpPr>
-        <p:spPr/>
-        <p:txBody>
-          <a:bodyPr/>
-          <a:lstStyle/>
-          <a:p>
-            <a:r>
-              <a:rPr lang="en-GB" dirty="0"/>
-              <a:t>Transferring Data To Rosalind</a:t>
-            </a:r>
-          </a:p>
-        </p:txBody>
-      </p:sp>
-      <p:sp>
-        <p:nvSpPr>
-          <p:cNvPr id="3" name="Content Placeholder 2">
-            <a:extLst>
-              <a:ext uri="{FF2B5EF4-FFF2-40B4-BE49-F238E27FC236}">
-                <a16:creationId xmlns:a16="http://schemas.microsoft.com/office/drawing/2014/main" id="{6C75AC20-6191-6740-9652-6F77F452200E}"/>
-              </a:ext>
-            </a:extLst>
-          </p:cNvPr>
-          <p:cNvSpPr>
-            <a:spLocks noGrp="1"/>
-          </p:cNvSpPr>
-          <p:nvPr>
-            <p:ph idx="1"/>
-          </p:nvPr>
-        </p:nvSpPr>
-        <p:spPr/>
-        <p:txBody>
-          <a:bodyPr/>
-          <a:lstStyle/>
-          <a:p>
-            <a:r>
-              <a:rPr lang="en-GB" dirty="0"/>
-              <a:t>Download FileZilla (Client) to connect via SFTP</a:t>
-            </a:r>
-          </a:p>
-          <a:p>
-            <a:pPr marL="0" indent="0">
-              <a:buNone/>
-            </a:pPr>
-            <a:r>
-              <a:rPr lang="en-GB" dirty="0"/>
-              <a:t>	https://</a:t>
-            </a:r>
-            <a:r>
-              <a:rPr lang="en-GB" dirty="0" err="1"/>
-              <a:t>filezilla-project.org</a:t>
-            </a:r>
-            <a:r>
-              <a:rPr lang="en-GB" dirty="0"/>
-              <a:t>/</a:t>
-            </a:r>
-          </a:p>
-          <a:p>
-            <a:r>
-              <a:rPr lang="en-GB" dirty="0" err="1"/>
-              <a:t>MobaXterm</a:t>
-            </a:r>
-            <a:r>
-              <a:rPr lang="en-GB" dirty="0"/>
-              <a:t> supports SFTP transfer as well</a:t>
-            </a:r>
-          </a:p>
-          <a:p>
-            <a:endParaRPr lang="en-GB" dirty="0"/>
-          </a:p>
-          <a:p>
-            <a:endParaRPr lang="en-GB" dirty="0"/>
-          </a:p>
-          <a:p>
-            <a:endParaRPr lang="en-GB" dirty="0"/>
-          </a:p>
-        </p:txBody>
-      </p:sp>
-      <p:pic>
-        <p:nvPicPr>
-          <p:cNvPr id="5122" name="Picture 2" descr="FileZilla - Wikipedia">
-            <a:extLst>
-              <a:ext uri="{FF2B5EF4-FFF2-40B4-BE49-F238E27FC236}">
-                <a16:creationId xmlns:a16="http://schemas.microsoft.com/office/drawing/2014/main" id="{2120E889-6D82-F240-BEB7-2106FA2C6EB0}"/>
-              </a:ext>
-            </a:extLst>
-          </p:cNvPr>
-          <p:cNvPicPr>
-            <a:picLocks noChangeAspect="1" noChangeArrowheads="1"/>
-          </p:cNvPicPr>
-          <p:nvPr/>
-        </p:nvPicPr>
-        <p:blipFill>
-          <a:blip r:embed="rId2">
-            <a:extLst>
-              <a:ext uri="{28A0092B-C50C-407E-A947-70E740481C1C}">
-                <a14:useLocalDpi xmlns:a14="http://schemas.microsoft.com/office/drawing/2010/main" val="0"/>
-              </a:ext>
-            </a:extLst>
-          </a:blip>
-          <a:srcRect/>
-          <a:stretch>
-            <a:fillRect/>
-          </a:stretch>
-        </p:blipFill>
-        <p:spPr bwMode="auto">
-          <a:xfrm>
-            <a:off x="7140296" y="2794269"/>
-            <a:ext cx="4376201" cy="3779526"/>
-          </a:xfrm>
-          <a:prstGeom prst="rect">
-            <a:avLst/>
-          </a:prstGeom>
-          <a:noFill/>
-          <a:extLst>
-            <a:ext uri="{909E8E84-426E-40DD-AFC4-6F175D3DCCD1}">
-              <a14:hiddenFill xmlns:a14="http://schemas.microsoft.com/office/drawing/2010/main">
-                <a:solidFill>
-                  <a:srgbClr val="FFFFFF"/>
-                </a:solidFill>
-              </a14:hiddenFill>
-            </a:ext>
-          </a:extLst>
-        </p:spPr>
-      </p:pic>
-    </p:spTree>
-    <p:extLst>
-      <p:ext uri="{BB962C8B-B14F-4D97-AF65-F5344CB8AC3E}">
-        <p14:creationId xmlns:p14="http://schemas.microsoft.com/office/powerpoint/2010/main" val="2822567048"/>
-      </p:ext>
-    </p:extLst>
-  </p:cSld>
-  <p:clrMapOvr>
-    <a:masterClrMapping/>
-  </p:clrMapOvr>
-</p:sld>
-</file>
-
-<file path=ppt/slides/slide39.xml><?xml version="1.0" encoding="utf-8"?>
-<p:sld xmlns:a="http://schemas.openxmlformats.org/drawingml/2006/main" xmlns:r="http://schemas.openxmlformats.org/officeDocument/2006/relationships" xmlns:p="http://schemas.openxmlformats.org/presentationml/2006/main">
-  <p:cSld>
-    <p:spTree>
-      <p:nvGrpSpPr>
-        <p:cNvPr id="1" name=""/>
-        <p:cNvGrpSpPr/>
-        <p:nvPr/>
-      </p:nvGrpSpPr>
-      <p:grpSpPr>
-        <a:xfrm>
-          <a:off x="0" y="0"/>
-          <a:ext cx="0" cy="0"/>
-          <a:chOff x="0" y="0"/>
-          <a:chExt cx="0" cy="0"/>
-        </a:xfrm>
-      </p:grpSpPr>
-      <p:sp>
-        <p:nvSpPr>
-          <p:cNvPr id="2" name="Title 1">
-            <a:extLst>
-              <a:ext uri="{FF2B5EF4-FFF2-40B4-BE49-F238E27FC236}">
-                <a16:creationId xmlns:a16="http://schemas.microsoft.com/office/drawing/2014/main" id="{4DA64335-8BE0-4A65-A574-1EDE11D4FDB4}"/>
-              </a:ext>
-            </a:extLst>
-          </p:cNvPr>
-          <p:cNvSpPr>
-            <a:spLocks noGrp="1"/>
-          </p:cNvSpPr>
-          <p:nvPr>
-            <p:ph type="title"/>
-          </p:nvPr>
-        </p:nvSpPr>
-        <p:spPr/>
-        <p:txBody>
-          <a:bodyPr/>
-          <a:lstStyle/>
-          <a:p>
-            <a:r>
-              <a:rPr lang="en-US" dirty="0"/>
-              <a:t>Then how can I upload files to Rosalind?</a:t>
-            </a:r>
-          </a:p>
-        </p:txBody>
-      </p:sp>
-      <p:sp>
-        <p:nvSpPr>
-          <p:cNvPr id="3" name="Content Placeholder 2">
-            <a:extLst>
-              <a:ext uri="{FF2B5EF4-FFF2-40B4-BE49-F238E27FC236}">
-                <a16:creationId xmlns:a16="http://schemas.microsoft.com/office/drawing/2014/main" id="{28DD67D0-5C9F-46F1-AEAF-3274F7F43822}"/>
-              </a:ext>
-            </a:extLst>
-          </p:cNvPr>
-          <p:cNvSpPr>
-            <a:spLocks noGrp="1"/>
-          </p:cNvSpPr>
-          <p:nvPr>
-            <p:ph idx="1"/>
-          </p:nvPr>
-        </p:nvSpPr>
-        <p:spPr/>
-        <p:txBody>
-          <a:bodyPr/>
-          <a:lstStyle/>
-          <a:p>
-            <a:r>
-              <a:rPr lang="en-US" dirty="0"/>
-              <a:t>Use SFTP programs:</a:t>
-            </a:r>
-          </a:p>
-          <a:p>
-            <a:pPr lvl="1"/>
-            <a:r>
-              <a:rPr lang="en-US" dirty="0" err="1"/>
-              <a:t>Winscp</a:t>
-            </a:r>
-            <a:endParaRPr lang="en-US" dirty="0"/>
-          </a:p>
-          <a:p>
-            <a:pPr lvl="1"/>
-            <a:r>
-              <a:rPr lang="en-US" dirty="0" err="1"/>
-              <a:t>Filezilla</a:t>
-            </a:r>
-            <a:endParaRPr lang="en-US" dirty="0"/>
-          </a:p>
-          <a:p>
-            <a:pPr lvl="1"/>
-            <a:endParaRPr lang="en-US" dirty="0"/>
-          </a:p>
-          <a:p>
-            <a:r>
-              <a:rPr lang="en-US" dirty="0" err="1"/>
-              <a:t>Moba-Xterm</a:t>
-            </a:r>
-            <a:r>
-              <a:rPr lang="en-US" dirty="0"/>
-              <a:t> itself has a SFTP function</a:t>
-            </a:r>
-          </a:p>
-          <a:p>
-            <a:pPr lvl="1"/>
-            <a:r>
-              <a:rPr lang="en-US" dirty="0"/>
-              <a:t>But it is slow for file transfer</a:t>
-            </a:r>
-          </a:p>
-        </p:txBody>
-      </p:sp>
-    </p:spTree>
-    <p:extLst>
-      <p:ext uri="{BB962C8B-B14F-4D97-AF65-F5344CB8AC3E}">
-        <p14:creationId xmlns:p14="http://schemas.microsoft.com/office/powerpoint/2010/main" val="2833831403"/>
+        <p14:creationId xmlns:p14="http://schemas.microsoft.com/office/powerpoint/2010/main" val="2491796934"/>
       </p:ext>
     </p:extLst>
   </p:cSld>
@@ -13944,2822 +12968,6 @@
       </p:par>
     </p:tnLst>
   </p:timing>
-</p:sld>
-</file>
-
-<file path=ppt/slides/slide40.xml><?xml version="1.0" encoding="utf-8"?>
-<p:sld xmlns:a="http://schemas.openxmlformats.org/drawingml/2006/main" xmlns:r="http://schemas.openxmlformats.org/officeDocument/2006/relationships" xmlns:p="http://schemas.openxmlformats.org/presentationml/2006/main">
-  <p:cSld>
-    <p:spTree>
-      <p:nvGrpSpPr>
-        <p:cNvPr id="1" name=""/>
-        <p:cNvGrpSpPr/>
-        <p:nvPr/>
-      </p:nvGrpSpPr>
-      <p:grpSpPr>
-        <a:xfrm>
-          <a:off x="0" y="0"/>
-          <a:ext cx="0" cy="0"/>
-          <a:chOff x="0" y="0"/>
-          <a:chExt cx="0" cy="0"/>
-        </a:xfrm>
-      </p:grpSpPr>
-      <p:sp>
-        <p:nvSpPr>
-          <p:cNvPr id="2" name="Title 1">
-            <a:extLst>
-              <a:ext uri="{FF2B5EF4-FFF2-40B4-BE49-F238E27FC236}">
-                <a16:creationId xmlns:a16="http://schemas.microsoft.com/office/drawing/2014/main" id="{02BFCF9F-0D5C-4127-922D-04E879326FB5}"/>
-              </a:ext>
-            </a:extLst>
-          </p:cNvPr>
-          <p:cNvSpPr>
-            <a:spLocks noGrp="1"/>
-          </p:cNvSpPr>
-          <p:nvPr>
-            <p:ph type="title"/>
-          </p:nvPr>
-        </p:nvSpPr>
-        <p:spPr/>
-        <p:txBody>
-          <a:bodyPr/>
-          <a:lstStyle/>
-          <a:p>
-            <a:r>
-              <a:rPr lang="en-US" dirty="0"/>
-              <a:t>Tasks</a:t>
-            </a:r>
-          </a:p>
-        </p:txBody>
-      </p:sp>
-      <p:sp>
-        <p:nvSpPr>
-          <p:cNvPr id="3" name="Content Placeholder 2">
-            <a:extLst>
-              <a:ext uri="{FF2B5EF4-FFF2-40B4-BE49-F238E27FC236}">
-                <a16:creationId xmlns:a16="http://schemas.microsoft.com/office/drawing/2014/main" id="{6102C590-F224-44EA-B564-F562E493A1C7}"/>
-              </a:ext>
-            </a:extLst>
-          </p:cNvPr>
-          <p:cNvSpPr>
-            <a:spLocks noGrp="1"/>
-          </p:cNvSpPr>
-          <p:nvPr>
-            <p:ph idx="1"/>
-          </p:nvPr>
-        </p:nvSpPr>
-        <p:spPr/>
-        <p:txBody>
-          <a:bodyPr/>
-          <a:lstStyle/>
-          <a:p>
-            <a:r>
-              <a:rPr lang="en-US" dirty="0"/>
-              <a:t>1) find </a:t>
-            </a:r>
-            <a:r>
-              <a:rPr lang="en-US" b="1" dirty="0" err="1"/>
-              <a:t>brc_scratch</a:t>
-            </a:r>
-            <a:r>
-              <a:rPr lang="en-US" dirty="0"/>
-              <a:t> folder from your </a:t>
-            </a:r>
-            <a:r>
-              <a:rPr lang="en-US" b="1" dirty="0"/>
-              <a:t>home</a:t>
-            </a:r>
-            <a:r>
-              <a:rPr lang="en-US" dirty="0"/>
-              <a:t> location, 2) make any files (tip: </a:t>
-            </a:r>
-            <a:r>
-              <a:rPr lang="en-US" b="1" dirty="0"/>
-              <a:t>touch</a:t>
-            </a:r>
-            <a:r>
-              <a:rPr lang="en-US" dirty="0"/>
-              <a:t>) and 3) show list of files you made</a:t>
-            </a:r>
-          </a:p>
-          <a:p>
-            <a:endParaRPr lang="en-US" dirty="0"/>
-          </a:p>
-          <a:p>
-            <a:r>
-              <a:rPr lang="en-US" dirty="0"/>
-              <a:t>1) upload any files of your laptop or desktop to your home location at Rosalind server and 2) show list of files you uploaded</a:t>
-            </a:r>
-          </a:p>
-        </p:txBody>
-      </p:sp>
-      <p:sp>
-        <p:nvSpPr>
-          <p:cNvPr id="4" name="TextBox 3">
-            <a:extLst>
-              <a:ext uri="{FF2B5EF4-FFF2-40B4-BE49-F238E27FC236}">
-                <a16:creationId xmlns:a16="http://schemas.microsoft.com/office/drawing/2014/main" id="{9BC7B774-023B-4EB8-B548-2A36491928A7}"/>
-              </a:ext>
-            </a:extLst>
-          </p:cNvPr>
-          <p:cNvSpPr txBox="1"/>
-          <p:nvPr/>
-        </p:nvSpPr>
-        <p:spPr>
-          <a:xfrm>
-            <a:off x="8773610" y="5969655"/>
-            <a:ext cx="2982996" cy="523220"/>
-          </a:xfrm>
-          <a:prstGeom prst="rect">
-            <a:avLst/>
-          </a:prstGeom>
-          <a:noFill/>
-        </p:spPr>
-        <p:txBody>
-          <a:bodyPr wrap="none" rtlCol="0">
-            <a:spAutoFit/>
-          </a:bodyPr>
-          <a:lstStyle/>
-          <a:p>
-            <a:r>
-              <a:rPr lang="en-US" sz="2800" b="1" dirty="0"/>
-              <a:t>30 min for practice</a:t>
-            </a:r>
-          </a:p>
-        </p:txBody>
-      </p:sp>
-    </p:spTree>
-    <p:extLst>
-      <p:ext uri="{BB962C8B-B14F-4D97-AF65-F5344CB8AC3E}">
-        <p14:creationId xmlns:p14="http://schemas.microsoft.com/office/powerpoint/2010/main" val="1761350737"/>
-      </p:ext>
-    </p:extLst>
-  </p:cSld>
-  <p:clrMapOvr>
-    <a:masterClrMapping/>
-  </p:clrMapOvr>
-</p:sld>
-</file>
-
-<file path=ppt/slides/slide41.xml><?xml version="1.0" encoding="utf-8"?>
-<p:sld xmlns:a="http://schemas.openxmlformats.org/drawingml/2006/main" xmlns:r="http://schemas.openxmlformats.org/officeDocument/2006/relationships" xmlns:p="http://schemas.openxmlformats.org/presentationml/2006/main">
-  <p:cSld>
-    <p:spTree>
-      <p:nvGrpSpPr>
-        <p:cNvPr id="1" name=""/>
-        <p:cNvGrpSpPr/>
-        <p:nvPr/>
-      </p:nvGrpSpPr>
-      <p:grpSpPr>
-        <a:xfrm>
-          <a:off x="0" y="0"/>
-          <a:ext cx="0" cy="0"/>
-          <a:chOff x="0" y="0"/>
-          <a:chExt cx="0" cy="0"/>
-        </a:xfrm>
-      </p:grpSpPr>
-      <p:sp>
-        <p:nvSpPr>
-          <p:cNvPr id="2" name="Title 1">
-            <a:extLst>
-              <a:ext uri="{FF2B5EF4-FFF2-40B4-BE49-F238E27FC236}">
-                <a16:creationId xmlns:a16="http://schemas.microsoft.com/office/drawing/2014/main" id="{EEE0A095-8807-40BD-A54D-566CB18E5698}"/>
-              </a:ext>
-            </a:extLst>
-          </p:cNvPr>
-          <p:cNvSpPr>
-            <a:spLocks noGrp="1"/>
-          </p:cNvSpPr>
-          <p:nvPr>
-            <p:ph type="title"/>
-          </p:nvPr>
-        </p:nvSpPr>
-        <p:spPr/>
-        <p:txBody>
-          <a:bodyPr/>
-          <a:lstStyle/>
-          <a:p>
-            <a:r>
-              <a:rPr lang="en-US" dirty="0"/>
-              <a:t>How to use VPN</a:t>
-            </a:r>
-          </a:p>
-        </p:txBody>
-      </p:sp>
-      <p:sp>
-        <p:nvSpPr>
-          <p:cNvPr id="3" name="Content Placeholder 2">
-            <a:extLst>
-              <a:ext uri="{FF2B5EF4-FFF2-40B4-BE49-F238E27FC236}">
-                <a16:creationId xmlns:a16="http://schemas.microsoft.com/office/drawing/2014/main" id="{F25C7F09-422A-4205-95A8-94E2E16CC2FF}"/>
-              </a:ext>
-            </a:extLst>
-          </p:cNvPr>
-          <p:cNvSpPr>
-            <a:spLocks noGrp="1"/>
-          </p:cNvSpPr>
-          <p:nvPr>
-            <p:ph idx="1"/>
-          </p:nvPr>
-        </p:nvSpPr>
-        <p:spPr/>
-        <p:txBody>
-          <a:bodyPr>
-            <a:normAutofit lnSpcReduction="10000"/>
-          </a:bodyPr>
-          <a:lstStyle/>
-          <a:p>
-            <a:r>
-              <a:rPr lang="en-US" dirty="0"/>
-              <a:t>To access Rosalind cluster server, we need IP address allowed to login</a:t>
-            </a:r>
-          </a:p>
-          <a:p>
-            <a:pPr lvl="1"/>
-            <a:r>
-              <a:rPr lang="en-US" dirty="0"/>
-              <a:t>We use VPN (virtual private network) setting instead</a:t>
-            </a:r>
-          </a:p>
-          <a:p>
-            <a:endParaRPr lang="en-US" dirty="0"/>
-          </a:p>
-          <a:p>
-            <a:r>
-              <a:rPr lang="en-US" dirty="0"/>
-              <a:t>For Windows laptop: install OpenVPN</a:t>
-            </a:r>
-          </a:p>
-          <a:p>
-            <a:pPr lvl="1"/>
-            <a:r>
-              <a:rPr lang="en-US" dirty="0">
-                <a:hlinkClick r:id="rId2"/>
-              </a:rPr>
-              <a:t>https://openvpn.net/community-downloads/</a:t>
-            </a:r>
-            <a:endParaRPr lang="en-US" dirty="0"/>
-          </a:p>
-          <a:p>
-            <a:pPr lvl="1"/>
-            <a:r>
-              <a:rPr lang="en-US" dirty="0"/>
-              <a:t>Copy config file (</a:t>
-            </a:r>
-            <a:r>
-              <a:rPr lang="en-US" dirty="0" err="1"/>
-              <a:t>Rapunzel.ovpn</a:t>
-            </a:r>
-            <a:r>
-              <a:rPr lang="en-US" dirty="0"/>
-              <a:t>) into OpenVPN configuration folder (e.g. C:\User\&lt;username&gt;\OpenVPN\config)</a:t>
-            </a:r>
-          </a:p>
-          <a:p>
-            <a:pPr lvl="1"/>
-            <a:endParaRPr lang="en-US" dirty="0"/>
-          </a:p>
-          <a:p>
-            <a:r>
-              <a:rPr lang="en-US" dirty="0"/>
-              <a:t>For </a:t>
-            </a:r>
-            <a:r>
-              <a:rPr lang="en-US" dirty="0" err="1"/>
-              <a:t>Macbook</a:t>
-            </a:r>
-            <a:r>
-              <a:rPr lang="en-US" dirty="0"/>
-              <a:t>: install </a:t>
-            </a:r>
-            <a:r>
-              <a:rPr lang="en-US" dirty="0" err="1"/>
-              <a:t>tunnelblick</a:t>
-            </a:r>
-            <a:endParaRPr lang="en-US" dirty="0"/>
-          </a:p>
-          <a:p>
-            <a:pPr lvl="1"/>
-            <a:r>
-              <a:rPr lang="en-US" dirty="0">
-                <a:hlinkClick r:id="rId3"/>
-              </a:rPr>
-              <a:t>https://tunnelblick.net/</a:t>
-            </a:r>
-            <a:endParaRPr lang="en-US" dirty="0"/>
-          </a:p>
-        </p:txBody>
-      </p:sp>
-    </p:spTree>
-    <p:extLst>
-      <p:ext uri="{BB962C8B-B14F-4D97-AF65-F5344CB8AC3E}">
-        <p14:creationId xmlns:p14="http://schemas.microsoft.com/office/powerpoint/2010/main" val="2108507902"/>
-      </p:ext>
-    </p:extLst>
-  </p:cSld>
-  <p:clrMapOvr>
-    <a:masterClrMapping/>
-  </p:clrMapOvr>
-</p:sld>
-</file>
-
-<file path=ppt/slides/slide42.xml><?xml version="1.0" encoding="utf-8"?>
-<p:sld xmlns:a="http://schemas.openxmlformats.org/drawingml/2006/main" xmlns:r="http://schemas.openxmlformats.org/officeDocument/2006/relationships" xmlns:p="http://schemas.openxmlformats.org/presentationml/2006/main">
-  <p:cSld>
-    <p:spTree>
-      <p:nvGrpSpPr>
-        <p:cNvPr id="1" name=""/>
-        <p:cNvGrpSpPr/>
-        <p:nvPr/>
-      </p:nvGrpSpPr>
-      <p:grpSpPr>
-        <a:xfrm>
-          <a:off x="0" y="0"/>
-          <a:ext cx="0" cy="0"/>
-          <a:chOff x="0" y="0"/>
-          <a:chExt cx="0" cy="0"/>
-        </a:xfrm>
-      </p:grpSpPr>
-      <p:sp>
-        <p:nvSpPr>
-          <p:cNvPr id="2" name="Title 1">
-            <a:extLst>
-              <a:ext uri="{FF2B5EF4-FFF2-40B4-BE49-F238E27FC236}">
-                <a16:creationId xmlns:a16="http://schemas.microsoft.com/office/drawing/2014/main" id="{2257F1EF-16AE-46CD-A5A8-A8F12151BE5A}"/>
-              </a:ext>
-            </a:extLst>
-          </p:cNvPr>
-          <p:cNvSpPr>
-            <a:spLocks noGrp="1"/>
-          </p:cNvSpPr>
-          <p:nvPr>
-            <p:ph type="title"/>
-          </p:nvPr>
-        </p:nvSpPr>
-        <p:spPr/>
-        <p:txBody>
-          <a:bodyPr/>
-          <a:lstStyle/>
-          <a:p>
-            <a:r>
-              <a:rPr lang="en-US" dirty="0"/>
-              <a:t>How to login Rosalind</a:t>
-            </a:r>
-          </a:p>
-        </p:txBody>
-      </p:sp>
-      <p:sp>
-        <p:nvSpPr>
-          <p:cNvPr id="3" name="Content Placeholder 2">
-            <a:extLst>
-              <a:ext uri="{FF2B5EF4-FFF2-40B4-BE49-F238E27FC236}">
-                <a16:creationId xmlns:a16="http://schemas.microsoft.com/office/drawing/2014/main" id="{5FC23E5E-7F77-4419-BC68-08585AB1226F}"/>
-              </a:ext>
-            </a:extLst>
-          </p:cNvPr>
-          <p:cNvSpPr>
-            <a:spLocks noGrp="1"/>
-          </p:cNvSpPr>
-          <p:nvPr>
-            <p:ph idx="1"/>
-          </p:nvPr>
-        </p:nvSpPr>
-        <p:spPr/>
-        <p:txBody>
-          <a:bodyPr>
-            <a:normAutofit/>
-          </a:bodyPr>
-          <a:lstStyle/>
-          <a:p>
-            <a:r>
-              <a:rPr lang="en-US" sz="2000" dirty="0">
-                <a:hlinkClick r:id="rId2"/>
-              </a:rPr>
-              <a:t>https://user-wiki.rosalind.kcl.ac.uk/doku.php</a:t>
-            </a:r>
-            <a:endParaRPr lang="en-US" sz="2000" dirty="0"/>
-          </a:p>
-          <a:p>
-            <a:endParaRPr lang="en-US" sz="2000" dirty="0"/>
-          </a:p>
-        </p:txBody>
-      </p:sp>
-      <p:pic>
-        <p:nvPicPr>
-          <p:cNvPr id="4" name="Picture 3">
-            <a:extLst>
-              <a:ext uri="{FF2B5EF4-FFF2-40B4-BE49-F238E27FC236}">
-                <a16:creationId xmlns:a16="http://schemas.microsoft.com/office/drawing/2014/main" id="{2DE22E1A-48E8-41BD-B466-E5C5A254FA92}"/>
-              </a:ext>
-            </a:extLst>
-          </p:cNvPr>
-          <p:cNvPicPr>
-            <a:picLocks noChangeAspect="1"/>
-          </p:cNvPicPr>
-          <p:nvPr/>
-        </p:nvPicPr>
-        <p:blipFill>
-          <a:blip r:embed="rId3"/>
-          <a:stretch>
-            <a:fillRect/>
-          </a:stretch>
-        </p:blipFill>
-        <p:spPr>
-          <a:xfrm>
-            <a:off x="2102218" y="2536635"/>
-            <a:ext cx="5803291" cy="4118286"/>
-          </a:xfrm>
-          <a:prstGeom prst="rect">
-            <a:avLst/>
-          </a:prstGeom>
-        </p:spPr>
-      </p:pic>
-    </p:spTree>
-    <p:extLst>
-      <p:ext uri="{BB962C8B-B14F-4D97-AF65-F5344CB8AC3E}">
-        <p14:creationId xmlns:p14="http://schemas.microsoft.com/office/powerpoint/2010/main" val="2376409175"/>
-      </p:ext>
-    </p:extLst>
-  </p:cSld>
-  <p:clrMapOvr>
-    <a:masterClrMapping/>
-  </p:clrMapOvr>
-</p:sld>
-</file>
-
-<file path=ppt/slides/slide43.xml><?xml version="1.0" encoding="utf-8"?>
-<p:sld xmlns:a="http://schemas.openxmlformats.org/drawingml/2006/main" xmlns:r="http://schemas.openxmlformats.org/officeDocument/2006/relationships" xmlns:p="http://schemas.openxmlformats.org/presentationml/2006/main">
-  <p:cSld>
-    <p:spTree>
-      <p:nvGrpSpPr>
-        <p:cNvPr id="1" name=""/>
-        <p:cNvGrpSpPr/>
-        <p:nvPr/>
-      </p:nvGrpSpPr>
-      <p:grpSpPr>
-        <a:xfrm>
-          <a:off x="0" y="0"/>
-          <a:ext cx="0" cy="0"/>
-          <a:chOff x="0" y="0"/>
-          <a:chExt cx="0" cy="0"/>
-        </a:xfrm>
-      </p:grpSpPr>
-      <p:sp>
-        <p:nvSpPr>
-          <p:cNvPr id="2" name="Title 1">
-            <a:extLst>
-              <a:ext uri="{FF2B5EF4-FFF2-40B4-BE49-F238E27FC236}">
-                <a16:creationId xmlns:a16="http://schemas.microsoft.com/office/drawing/2014/main" id="{7BF306D6-6D21-458A-A660-07172C042027}"/>
-              </a:ext>
-            </a:extLst>
-          </p:cNvPr>
-          <p:cNvSpPr>
-            <a:spLocks noGrp="1"/>
-          </p:cNvSpPr>
-          <p:nvPr>
-            <p:ph type="title"/>
-          </p:nvPr>
-        </p:nvSpPr>
-        <p:spPr/>
-        <p:txBody>
-          <a:bodyPr/>
-          <a:lstStyle/>
-          <a:p>
-            <a:r>
-              <a:rPr lang="en-US" dirty="0"/>
-              <a:t>How to login Rosalind</a:t>
-            </a:r>
-          </a:p>
-        </p:txBody>
-      </p:sp>
-      <p:sp>
-        <p:nvSpPr>
-          <p:cNvPr id="3" name="Content Placeholder 2">
-            <a:extLst>
-              <a:ext uri="{FF2B5EF4-FFF2-40B4-BE49-F238E27FC236}">
-                <a16:creationId xmlns:a16="http://schemas.microsoft.com/office/drawing/2014/main" id="{0336926D-8F12-487C-AE34-219609F3DF9B}"/>
-              </a:ext>
-            </a:extLst>
-          </p:cNvPr>
-          <p:cNvSpPr>
-            <a:spLocks noGrp="1"/>
-          </p:cNvSpPr>
-          <p:nvPr>
-            <p:ph idx="1"/>
-          </p:nvPr>
-        </p:nvSpPr>
-        <p:spPr/>
-        <p:txBody>
-          <a:bodyPr/>
-          <a:lstStyle/>
-          <a:p>
-            <a:r>
-              <a:rPr lang="en-US" dirty="0"/>
-              <a:t>Open SSH client program (</a:t>
-            </a:r>
-            <a:r>
-              <a:rPr lang="en-US" dirty="0" err="1"/>
-              <a:t>MobaXterm</a:t>
-            </a:r>
-            <a:r>
-              <a:rPr lang="en-US" dirty="0"/>
-              <a:t>, Putty, Terminal)</a:t>
-            </a:r>
-          </a:p>
-          <a:p>
-            <a:r>
-              <a:rPr lang="en-US" dirty="0"/>
-              <a:t>Login command:</a:t>
-            </a:r>
-          </a:p>
-          <a:p>
-            <a:pPr lvl="1"/>
-            <a:r>
-              <a:rPr lang="en-US" dirty="0" err="1"/>
-              <a:t>ssh</a:t>
-            </a:r>
-            <a:r>
-              <a:rPr lang="en-US" dirty="0"/>
-              <a:t> (YOUR_ID)@(SSH address)</a:t>
-            </a:r>
-          </a:p>
-          <a:p>
-            <a:pPr lvl="1"/>
-            <a:r>
-              <a:rPr lang="en-US" dirty="0" err="1"/>
-              <a:t>ssh</a:t>
-            </a:r>
-            <a:r>
-              <a:rPr lang="en-US" dirty="0"/>
-              <a:t> kxxxxx@login1.rosalind.kcl.ac.uk</a:t>
-            </a:r>
-          </a:p>
-          <a:p>
-            <a:pPr lvl="1"/>
-            <a:r>
-              <a:rPr lang="en-US" dirty="0" err="1"/>
-              <a:t>ssh</a:t>
-            </a:r>
-            <a:r>
-              <a:rPr lang="en-US" dirty="0"/>
-              <a:t> kxxxxx@login2.rosalind.kcl.ac.uk</a:t>
-            </a:r>
-          </a:p>
-          <a:p>
-            <a:pPr lvl="1"/>
-            <a:r>
-              <a:rPr lang="en-US" dirty="0"/>
-              <a:t>and type your password!</a:t>
-            </a:r>
-          </a:p>
-          <a:p>
-            <a:endParaRPr lang="en-US" dirty="0"/>
-          </a:p>
-          <a:p>
-            <a:pPr marL="0" indent="0">
-              <a:buNone/>
-            </a:pPr>
-            <a:endParaRPr lang="en-US" dirty="0"/>
-          </a:p>
-          <a:p>
-            <a:endParaRPr lang="en-US" dirty="0"/>
-          </a:p>
-        </p:txBody>
-      </p:sp>
-      <p:pic>
-        <p:nvPicPr>
-          <p:cNvPr id="6" name="Picture 5">
-            <a:extLst>
-              <a:ext uri="{FF2B5EF4-FFF2-40B4-BE49-F238E27FC236}">
-                <a16:creationId xmlns:a16="http://schemas.microsoft.com/office/drawing/2014/main" id="{C18A852C-DC79-42BE-93FA-36FB70017A63}"/>
-              </a:ext>
-            </a:extLst>
-          </p:cNvPr>
-          <p:cNvPicPr>
-            <a:picLocks noChangeAspect="1"/>
-          </p:cNvPicPr>
-          <p:nvPr/>
-        </p:nvPicPr>
-        <p:blipFill>
-          <a:blip r:embed="rId2"/>
-          <a:stretch>
-            <a:fillRect/>
-          </a:stretch>
-        </p:blipFill>
-        <p:spPr>
-          <a:xfrm>
-            <a:off x="0" y="4820653"/>
-            <a:ext cx="12192000" cy="1266702"/>
-          </a:xfrm>
-          <a:prstGeom prst="rect">
-            <a:avLst/>
-          </a:prstGeom>
-        </p:spPr>
-      </p:pic>
-    </p:spTree>
-    <p:extLst>
-      <p:ext uri="{BB962C8B-B14F-4D97-AF65-F5344CB8AC3E}">
-        <p14:creationId xmlns:p14="http://schemas.microsoft.com/office/powerpoint/2010/main" val="3275974529"/>
-      </p:ext>
-    </p:extLst>
-  </p:cSld>
-  <p:clrMapOvr>
-    <a:masterClrMapping/>
-  </p:clrMapOvr>
-</p:sld>
-</file>
-
-<file path=ppt/slides/slide44.xml><?xml version="1.0" encoding="utf-8"?>
-<p:sld xmlns:a="http://schemas.openxmlformats.org/drawingml/2006/main" xmlns:r="http://schemas.openxmlformats.org/officeDocument/2006/relationships" xmlns:p="http://schemas.openxmlformats.org/presentationml/2006/main">
-  <p:cSld>
-    <p:spTree>
-      <p:nvGrpSpPr>
-        <p:cNvPr id="1" name=""/>
-        <p:cNvGrpSpPr/>
-        <p:nvPr/>
-      </p:nvGrpSpPr>
-      <p:grpSpPr>
-        <a:xfrm>
-          <a:off x="0" y="0"/>
-          <a:ext cx="0" cy="0"/>
-          <a:chOff x="0" y="0"/>
-          <a:chExt cx="0" cy="0"/>
-        </a:xfrm>
-      </p:grpSpPr>
-      <p:sp>
-        <p:nvSpPr>
-          <p:cNvPr id="2" name="Title 1">
-            <a:extLst>
-              <a:ext uri="{FF2B5EF4-FFF2-40B4-BE49-F238E27FC236}">
-                <a16:creationId xmlns:a16="http://schemas.microsoft.com/office/drawing/2014/main" id="{00CD4E4E-D546-4631-8D07-F5F454AA5E5D}"/>
-              </a:ext>
-            </a:extLst>
-          </p:cNvPr>
-          <p:cNvSpPr>
-            <a:spLocks noGrp="1"/>
-          </p:cNvSpPr>
-          <p:nvPr>
-            <p:ph type="title"/>
-          </p:nvPr>
-        </p:nvSpPr>
-        <p:spPr/>
-        <p:txBody>
-          <a:bodyPr/>
-          <a:lstStyle/>
-          <a:p>
-            <a:r>
-              <a:rPr lang="en-US" dirty="0"/>
-              <a:t>How to load installed packages</a:t>
-            </a:r>
-          </a:p>
-        </p:txBody>
-      </p:sp>
-      <p:sp>
-        <p:nvSpPr>
-          <p:cNvPr id="3" name="Content Placeholder 2">
-            <a:extLst>
-              <a:ext uri="{FF2B5EF4-FFF2-40B4-BE49-F238E27FC236}">
-                <a16:creationId xmlns:a16="http://schemas.microsoft.com/office/drawing/2014/main" id="{7CB2F25D-D97C-4F54-8BD4-CB3AE14A217D}"/>
-              </a:ext>
-            </a:extLst>
-          </p:cNvPr>
-          <p:cNvSpPr>
-            <a:spLocks noGrp="1"/>
-          </p:cNvSpPr>
-          <p:nvPr>
-            <p:ph idx="1"/>
-          </p:nvPr>
-        </p:nvSpPr>
-        <p:spPr>
-          <a:xfrm>
-            <a:off x="838200" y="1825625"/>
-            <a:ext cx="10515600" cy="4351338"/>
-          </a:xfrm>
-        </p:spPr>
-        <p:txBody>
-          <a:bodyPr>
-            <a:normAutofit fontScale="85000" lnSpcReduction="20000"/>
-          </a:bodyPr>
-          <a:lstStyle/>
-          <a:p>
-            <a:r>
-              <a:rPr lang="en-US" dirty="0"/>
-              <a:t>Several applications are not available by default </a:t>
-            </a:r>
-            <a:r>
-              <a:rPr lang="en-US" dirty="0">
-                <a:sym typeface="Wingdings" panose="05000000000000000000" pitchFamily="2" charset="2"/>
-              </a:rPr>
-              <a:t> you should check pre-installed module on the system (</a:t>
-            </a:r>
-            <a:r>
-              <a:rPr lang="en-US" i="1" dirty="0">
-                <a:sym typeface="Wingdings" panose="05000000000000000000" pitchFamily="2" charset="2"/>
-              </a:rPr>
-              <a:t>module</a:t>
-            </a:r>
-            <a:r>
-              <a:rPr lang="en-US" dirty="0">
-                <a:sym typeface="Wingdings" panose="05000000000000000000" pitchFamily="2" charset="2"/>
-              </a:rPr>
-              <a:t>), otherwise you should install it by yourself or ask root administrator to install it</a:t>
-            </a:r>
-            <a:endParaRPr lang="en-US" dirty="0"/>
-          </a:p>
-          <a:p>
-            <a:endParaRPr lang="en-US" dirty="0"/>
-          </a:p>
-          <a:p>
-            <a:r>
-              <a:rPr lang="en-US" dirty="0"/>
-              <a:t>module avail </a:t>
-            </a:r>
-            <a:r>
-              <a:rPr lang="en-US" dirty="0">
-                <a:sym typeface="Wingdings" panose="05000000000000000000" pitchFamily="2" charset="2"/>
-              </a:rPr>
-              <a:t> you can check all possible applications to load</a:t>
-            </a:r>
-            <a:endParaRPr lang="en-US" dirty="0"/>
-          </a:p>
-          <a:p>
-            <a:pPr marL="0" indent="0">
-              <a:buNone/>
-            </a:pPr>
-            <a:endParaRPr lang="en-US" dirty="0"/>
-          </a:p>
-          <a:p>
-            <a:r>
-              <a:rPr lang="en-US" dirty="0"/>
-              <a:t>module load </a:t>
-            </a:r>
-            <a:r>
-              <a:rPr lang="en-US" dirty="0" err="1"/>
-              <a:t>package_name</a:t>
-            </a:r>
-            <a:endParaRPr lang="en-US" dirty="0"/>
-          </a:p>
-          <a:p>
-            <a:pPr lvl="1"/>
-            <a:r>
-              <a:rPr lang="en-US" dirty="0"/>
-              <a:t>module load bioinformatics/R</a:t>
-            </a:r>
-          </a:p>
-          <a:p>
-            <a:pPr lvl="1"/>
-            <a:r>
-              <a:rPr lang="en-US" dirty="0"/>
-              <a:t>module load general/</a:t>
-            </a:r>
-            <a:r>
-              <a:rPr lang="en-US" dirty="0" err="1"/>
-              <a:t>matlab</a:t>
-            </a:r>
-            <a:r>
-              <a:rPr lang="en-US" dirty="0"/>
-              <a:t>/2015b</a:t>
-            </a:r>
-          </a:p>
-          <a:p>
-            <a:pPr lvl="1"/>
-            <a:r>
-              <a:rPr lang="en-US" dirty="0"/>
-              <a:t>module load general/python/2.7.10</a:t>
-            </a:r>
-          </a:p>
-          <a:p>
-            <a:pPr lvl="1"/>
-            <a:endParaRPr lang="en-US" dirty="0"/>
-          </a:p>
-          <a:p>
-            <a:r>
-              <a:rPr lang="en-US" dirty="0"/>
-              <a:t>module unload </a:t>
-            </a:r>
-            <a:r>
-              <a:rPr lang="en-US" dirty="0" err="1"/>
-              <a:t>package_name</a:t>
-            </a:r>
-            <a:endParaRPr lang="en-US" dirty="0"/>
-          </a:p>
-          <a:p>
-            <a:endParaRPr lang="en-US" dirty="0"/>
-          </a:p>
-          <a:p>
-            <a:r>
-              <a:rPr lang="en-US" dirty="0"/>
-              <a:t>module list </a:t>
-            </a:r>
-            <a:r>
-              <a:rPr lang="en-US" dirty="0">
-                <a:sym typeface="Wingdings" panose="05000000000000000000" pitchFamily="2" charset="2"/>
-              </a:rPr>
-              <a:t> it shows currently loaded applications</a:t>
-            </a:r>
-            <a:endParaRPr lang="en-US" dirty="0"/>
-          </a:p>
-        </p:txBody>
-      </p:sp>
-    </p:spTree>
-    <p:extLst>
-      <p:ext uri="{BB962C8B-B14F-4D97-AF65-F5344CB8AC3E}">
-        <p14:creationId xmlns:p14="http://schemas.microsoft.com/office/powerpoint/2010/main" val="3923254816"/>
-      </p:ext>
-    </p:extLst>
-  </p:cSld>
-  <p:clrMapOvr>
-    <a:masterClrMapping/>
-  </p:clrMapOvr>
-</p:sld>
-</file>
-
-<file path=ppt/slides/slide45.xml><?xml version="1.0" encoding="utf-8"?>
-<p:sld xmlns:a="http://schemas.openxmlformats.org/drawingml/2006/main" xmlns:r="http://schemas.openxmlformats.org/officeDocument/2006/relationships" xmlns:p="http://schemas.openxmlformats.org/presentationml/2006/main">
-  <p:cSld>
-    <p:spTree>
-      <p:nvGrpSpPr>
-        <p:cNvPr id="1" name=""/>
-        <p:cNvGrpSpPr/>
-        <p:nvPr/>
-      </p:nvGrpSpPr>
-      <p:grpSpPr>
-        <a:xfrm>
-          <a:off x="0" y="0"/>
-          <a:ext cx="0" cy="0"/>
-          <a:chOff x="0" y="0"/>
-          <a:chExt cx="0" cy="0"/>
-        </a:xfrm>
-      </p:grpSpPr>
-      <p:pic>
-        <p:nvPicPr>
-          <p:cNvPr id="4" name="Content Placeholder 3">
-            <a:extLst>
-              <a:ext uri="{FF2B5EF4-FFF2-40B4-BE49-F238E27FC236}">
-                <a16:creationId xmlns:a16="http://schemas.microsoft.com/office/drawing/2014/main" id="{35E286FE-D7A2-4CC3-B5B7-2387F2BCBA7F}"/>
-              </a:ext>
-            </a:extLst>
-          </p:cNvPr>
-          <p:cNvPicPr>
-            <a:picLocks noGrp="1" noChangeAspect="1"/>
-          </p:cNvPicPr>
-          <p:nvPr>
-            <p:ph idx="1"/>
-          </p:nvPr>
-        </p:nvPicPr>
-        <p:blipFill>
-          <a:blip r:embed="rId2"/>
-          <a:stretch>
-            <a:fillRect/>
-          </a:stretch>
-        </p:blipFill>
-        <p:spPr>
-          <a:xfrm>
-            <a:off x="249249" y="1041147"/>
-            <a:ext cx="11693501" cy="4086438"/>
-          </a:xfrm>
-          <a:prstGeom prst="rect">
-            <a:avLst/>
-          </a:prstGeom>
-        </p:spPr>
-      </p:pic>
-    </p:spTree>
-    <p:extLst>
-      <p:ext uri="{BB962C8B-B14F-4D97-AF65-F5344CB8AC3E}">
-        <p14:creationId xmlns:p14="http://schemas.microsoft.com/office/powerpoint/2010/main" val="4082332677"/>
-      </p:ext>
-    </p:extLst>
-  </p:cSld>
-  <p:clrMapOvr>
-    <a:masterClrMapping/>
-  </p:clrMapOvr>
-</p:sld>
-</file>
-
-<file path=ppt/slides/slide46.xml><?xml version="1.0" encoding="utf-8"?>
-<p:sld xmlns:a="http://schemas.openxmlformats.org/drawingml/2006/main" xmlns:r="http://schemas.openxmlformats.org/officeDocument/2006/relationships" xmlns:p="http://schemas.openxmlformats.org/presentationml/2006/main">
-  <p:cSld>
-    <p:spTree>
-      <p:nvGrpSpPr>
-        <p:cNvPr id="1" name=""/>
-        <p:cNvGrpSpPr/>
-        <p:nvPr/>
-      </p:nvGrpSpPr>
-      <p:grpSpPr>
-        <a:xfrm>
-          <a:off x="0" y="0"/>
-          <a:ext cx="0" cy="0"/>
-          <a:chOff x="0" y="0"/>
-          <a:chExt cx="0" cy="0"/>
-        </a:xfrm>
-      </p:grpSpPr>
-      <p:sp>
-        <p:nvSpPr>
-          <p:cNvPr id="2" name="Title 1">
-            <a:extLst>
-              <a:ext uri="{FF2B5EF4-FFF2-40B4-BE49-F238E27FC236}">
-                <a16:creationId xmlns:a16="http://schemas.microsoft.com/office/drawing/2014/main" id="{F106FC69-F4F4-477D-9A5D-63B0AEB15A9F}"/>
-              </a:ext>
-            </a:extLst>
-          </p:cNvPr>
-          <p:cNvSpPr>
-            <a:spLocks noGrp="1"/>
-          </p:cNvSpPr>
-          <p:nvPr>
-            <p:ph type="title"/>
-          </p:nvPr>
-        </p:nvSpPr>
-        <p:spPr/>
-        <p:txBody>
-          <a:bodyPr/>
-          <a:lstStyle/>
-          <a:p>
-            <a:r>
-              <a:rPr lang="en-US" dirty="0"/>
-              <a:t>Job submission</a:t>
-            </a:r>
-          </a:p>
-        </p:txBody>
-      </p:sp>
-      <p:sp>
-        <p:nvSpPr>
-          <p:cNvPr id="3" name="Content Placeholder 2">
-            <a:extLst>
-              <a:ext uri="{FF2B5EF4-FFF2-40B4-BE49-F238E27FC236}">
-                <a16:creationId xmlns:a16="http://schemas.microsoft.com/office/drawing/2014/main" id="{F7FD468D-656B-48E1-90D6-5D651345DEDD}"/>
-              </a:ext>
-            </a:extLst>
-          </p:cNvPr>
-          <p:cNvSpPr>
-            <a:spLocks noGrp="1"/>
-          </p:cNvSpPr>
-          <p:nvPr>
-            <p:ph idx="1"/>
-          </p:nvPr>
-        </p:nvSpPr>
-        <p:spPr/>
-        <p:txBody>
-          <a:bodyPr/>
-          <a:lstStyle/>
-          <a:p>
-            <a:r>
-              <a:rPr lang="en-US" dirty="0"/>
-              <a:t>Interactive mode vs Batch mode</a:t>
-            </a:r>
-          </a:p>
-        </p:txBody>
-      </p:sp>
-      <p:sp>
-        <p:nvSpPr>
-          <p:cNvPr id="4" name="Rectangle: Rounded Corners 3">
-            <a:extLst>
-              <a:ext uri="{FF2B5EF4-FFF2-40B4-BE49-F238E27FC236}">
-                <a16:creationId xmlns:a16="http://schemas.microsoft.com/office/drawing/2014/main" id="{84BDA9CA-110D-48D1-9DF1-897B8BB2A0F7}"/>
-              </a:ext>
-            </a:extLst>
-          </p:cNvPr>
-          <p:cNvSpPr/>
-          <p:nvPr/>
-        </p:nvSpPr>
-        <p:spPr>
-          <a:xfrm>
-            <a:off x="3166643" y="3070185"/>
-            <a:ext cx="1909821" cy="497712"/>
-          </a:xfrm>
-          <a:prstGeom prst="roundRect">
-            <a:avLst>
-              <a:gd name="adj" fmla="val 39640"/>
-            </a:avLst>
-          </a:prstGeom>
-          <a:solidFill>
-            <a:schemeClr val="bg1">
-              <a:lumMod val="85000"/>
-            </a:schemeClr>
-          </a:solidFill>
-          <a:ln>
-            <a:solidFill>
-              <a:schemeClr val="tx1"/>
-            </a:solidFill>
-          </a:ln>
-          <a:effectLst>
-            <a:outerShdw blurRad="292100" dist="139700" dir="2700000" algn="tl" rotWithShape="0">
-              <a:srgbClr val="333333">
-                <a:alpha val="65000"/>
-              </a:srgbClr>
-            </a:outerShdw>
-          </a:effectLst>
-        </p:spPr>
-        <p:style>
-          <a:lnRef idx="2">
-            <a:schemeClr val="accent1">
-              <a:shade val="50000"/>
-            </a:schemeClr>
-          </a:lnRef>
-          <a:fillRef idx="1">
-            <a:schemeClr val="accent1"/>
-          </a:fillRef>
-          <a:effectRef idx="0">
-            <a:schemeClr val="accent1"/>
-          </a:effectRef>
-          <a:fontRef idx="minor">
-            <a:schemeClr val="lt1"/>
-          </a:fontRef>
-        </p:style>
-        <p:txBody>
-          <a:bodyPr rtlCol="0" anchor="ctr"/>
-          <a:lstStyle/>
-          <a:p>
-            <a:pPr algn="ctr"/>
-            <a:r>
-              <a:rPr lang="en-US" b="1" dirty="0">
-                <a:solidFill>
-                  <a:schemeClr val="tx1"/>
-                </a:solidFill>
-              </a:rPr>
-              <a:t>Login node</a:t>
-            </a:r>
-          </a:p>
-        </p:txBody>
-      </p:sp>
-      <p:sp>
-        <p:nvSpPr>
-          <p:cNvPr id="5" name="Rectangle: Rounded Corners 4">
-            <a:extLst>
-              <a:ext uri="{FF2B5EF4-FFF2-40B4-BE49-F238E27FC236}">
-                <a16:creationId xmlns:a16="http://schemas.microsoft.com/office/drawing/2014/main" id="{607B223C-F284-441E-8456-A8480E9E44AE}"/>
-              </a:ext>
-            </a:extLst>
-          </p:cNvPr>
-          <p:cNvSpPr/>
-          <p:nvPr/>
-        </p:nvSpPr>
-        <p:spPr>
-          <a:xfrm>
-            <a:off x="1131427" y="4577787"/>
-            <a:ext cx="1909821" cy="726311"/>
-          </a:xfrm>
-          <a:prstGeom prst="roundRect">
-            <a:avLst>
-              <a:gd name="adj" fmla="val 39640"/>
-            </a:avLst>
-          </a:prstGeom>
-          <a:solidFill>
-            <a:schemeClr val="bg1">
-              <a:lumMod val="85000"/>
-            </a:schemeClr>
-          </a:solidFill>
-          <a:ln>
-            <a:solidFill>
-              <a:schemeClr val="tx1"/>
-            </a:solidFill>
-          </a:ln>
-          <a:effectLst>
-            <a:outerShdw blurRad="292100" dist="139700" dir="2700000" algn="tl" rotWithShape="0">
-              <a:srgbClr val="333333">
-                <a:alpha val="65000"/>
-              </a:srgbClr>
-            </a:outerShdw>
-          </a:effectLst>
-        </p:spPr>
-        <p:style>
-          <a:lnRef idx="2">
-            <a:schemeClr val="accent1">
-              <a:shade val="50000"/>
-            </a:schemeClr>
-          </a:lnRef>
-          <a:fillRef idx="1">
-            <a:schemeClr val="accent1"/>
-          </a:fillRef>
-          <a:effectRef idx="0">
-            <a:schemeClr val="accent1"/>
-          </a:effectRef>
-          <a:fontRef idx="minor">
-            <a:schemeClr val="lt1"/>
-          </a:fontRef>
-        </p:style>
-        <p:txBody>
-          <a:bodyPr rtlCol="0" anchor="ctr"/>
-          <a:lstStyle/>
-          <a:p>
-            <a:pPr algn="ctr"/>
-            <a:r>
-              <a:rPr lang="en-US" sz="1400" b="1" dirty="0">
-                <a:solidFill>
-                  <a:schemeClr val="tx1"/>
-                </a:solidFill>
-              </a:rPr>
-              <a:t>Computational node (interactive)</a:t>
-            </a:r>
-          </a:p>
-        </p:txBody>
-      </p:sp>
-      <p:sp>
-        <p:nvSpPr>
-          <p:cNvPr id="6" name="Rectangle: Rounded Corners 5">
-            <a:extLst>
-              <a:ext uri="{FF2B5EF4-FFF2-40B4-BE49-F238E27FC236}">
-                <a16:creationId xmlns:a16="http://schemas.microsoft.com/office/drawing/2014/main" id="{0FFD7ADD-58D3-4746-A1BC-7E99C158DC2E}"/>
-              </a:ext>
-            </a:extLst>
-          </p:cNvPr>
-          <p:cNvSpPr/>
-          <p:nvPr/>
-        </p:nvSpPr>
-        <p:spPr>
-          <a:xfrm>
-            <a:off x="3347981" y="4586470"/>
-            <a:ext cx="1909821" cy="726311"/>
-          </a:xfrm>
-          <a:prstGeom prst="roundRect">
-            <a:avLst>
-              <a:gd name="adj" fmla="val 39640"/>
-            </a:avLst>
-          </a:prstGeom>
-          <a:solidFill>
-            <a:schemeClr val="bg1">
-              <a:lumMod val="85000"/>
-            </a:schemeClr>
-          </a:solidFill>
-          <a:ln>
-            <a:solidFill>
-              <a:schemeClr val="tx1"/>
-            </a:solidFill>
-          </a:ln>
-          <a:effectLst>
-            <a:outerShdw blurRad="292100" dist="139700" dir="2700000" algn="tl" rotWithShape="0">
-              <a:srgbClr val="333333">
-                <a:alpha val="65000"/>
-              </a:srgbClr>
-            </a:outerShdw>
-          </a:effectLst>
-        </p:spPr>
-        <p:style>
-          <a:lnRef idx="2">
-            <a:schemeClr val="accent1">
-              <a:shade val="50000"/>
-            </a:schemeClr>
-          </a:lnRef>
-          <a:fillRef idx="1">
-            <a:schemeClr val="accent1"/>
-          </a:fillRef>
-          <a:effectRef idx="0">
-            <a:schemeClr val="accent1"/>
-          </a:effectRef>
-          <a:fontRef idx="minor">
-            <a:schemeClr val="lt1"/>
-          </a:fontRef>
-        </p:style>
-        <p:txBody>
-          <a:bodyPr rtlCol="0" anchor="ctr"/>
-          <a:lstStyle/>
-          <a:p>
-            <a:pPr algn="ctr"/>
-            <a:r>
-              <a:rPr lang="en-US" sz="1400" b="1" dirty="0">
-                <a:solidFill>
-                  <a:schemeClr val="tx1"/>
-                </a:solidFill>
-              </a:rPr>
-              <a:t>Computational node</a:t>
-            </a:r>
-          </a:p>
-        </p:txBody>
-      </p:sp>
-      <p:sp>
-        <p:nvSpPr>
-          <p:cNvPr id="7" name="Rectangle: Rounded Corners 6">
-            <a:extLst>
-              <a:ext uri="{FF2B5EF4-FFF2-40B4-BE49-F238E27FC236}">
-                <a16:creationId xmlns:a16="http://schemas.microsoft.com/office/drawing/2014/main" id="{107BA3EF-C83B-40C8-BD6B-F2EC4519AC17}"/>
-              </a:ext>
-            </a:extLst>
-          </p:cNvPr>
-          <p:cNvSpPr/>
-          <p:nvPr/>
-        </p:nvSpPr>
-        <p:spPr>
-          <a:xfrm>
-            <a:off x="5564535" y="4577786"/>
-            <a:ext cx="1909821" cy="726311"/>
-          </a:xfrm>
-          <a:prstGeom prst="roundRect">
-            <a:avLst>
-              <a:gd name="adj" fmla="val 39640"/>
-            </a:avLst>
-          </a:prstGeom>
-          <a:solidFill>
-            <a:schemeClr val="bg1">
-              <a:lumMod val="85000"/>
-            </a:schemeClr>
-          </a:solidFill>
-          <a:ln>
-            <a:solidFill>
-              <a:schemeClr val="tx1"/>
-            </a:solidFill>
-          </a:ln>
-          <a:effectLst>
-            <a:outerShdw blurRad="292100" dist="139700" dir="2700000" algn="tl" rotWithShape="0">
-              <a:srgbClr val="333333">
-                <a:alpha val="65000"/>
-              </a:srgbClr>
-            </a:outerShdw>
-          </a:effectLst>
-        </p:spPr>
-        <p:style>
-          <a:lnRef idx="2">
-            <a:schemeClr val="accent1">
-              <a:shade val="50000"/>
-            </a:schemeClr>
-          </a:lnRef>
-          <a:fillRef idx="1">
-            <a:schemeClr val="accent1"/>
-          </a:fillRef>
-          <a:effectRef idx="0">
-            <a:schemeClr val="accent1"/>
-          </a:effectRef>
-          <a:fontRef idx="minor">
-            <a:schemeClr val="lt1"/>
-          </a:fontRef>
-        </p:style>
-        <p:txBody>
-          <a:bodyPr rtlCol="0" anchor="ctr"/>
-          <a:lstStyle/>
-          <a:p>
-            <a:pPr algn="ctr"/>
-            <a:r>
-              <a:rPr lang="en-US" sz="1400" b="1" dirty="0">
-                <a:solidFill>
-                  <a:schemeClr val="tx1"/>
-                </a:solidFill>
-              </a:rPr>
-              <a:t>Computational node</a:t>
-            </a:r>
-          </a:p>
-        </p:txBody>
-      </p:sp>
-      <p:cxnSp>
-        <p:nvCxnSpPr>
-          <p:cNvPr id="8" name="Straight Connector 7">
-            <a:extLst>
-              <a:ext uri="{FF2B5EF4-FFF2-40B4-BE49-F238E27FC236}">
-                <a16:creationId xmlns:a16="http://schemas.microsoft.com/office/drawing/2014/main" id="{8E7CCF46-22CD-4806-970C-596628DB0F5C}"/>
-              </a:ext>
-            </a:extLst>
-          </p:cNvPr>
-          <p:cNvCxnSpPr>
-            <a:cxnSpLocks/>
-          </p:cNvCxnSpPr>
-          <p:nvPr/>
-        </p:nvCxnSpPr>
-        <p:spPr>
-          <a:xfrm>
-            <a:off x="2086338" y="4192929"/>
-            <a:ext cx="4430208" cy="0"/>
-          </a:xfrm>
-          <a:prstGeom prst="line">
-            <a:avLst/>
-          </a:prstGeom>
-        </p:spPr>
-        <p:style>
-          <a:lnRef idx="1">
-            <a:schemeClr val="accent1"/>
-          </a:lnRef>
-          <a:fillRef idx="0">
-            <a:schemeClr val="accent1"/>
-          </a:fillRef>
-          <a:effectRef idx="0">
-            <a:schemeClr val="accent1"/>
-          </a:effectRef>
-          <a:fontRef idx="minor">
-            <a:schemeClr val="tx1"/>
-          </a:fontRef>
-        </p:style>
-      </p:cxnSp>
-      <p:cxnSp>
-        <p:nvCxnSpPr>
-          <p:cNvPr id="9" name="Straight Connector 8">
-            <a:extLst>
-              <a:ext uri="{FF2B5EF4-FFF2-40B4-BE49-F238E27FC236}">
-                <a16:creationId xmlns:a16="http://schemas.microsoft.com/office/drawing/2014/main" id="{63F6816A-0981-4B28-8BD0-F03DB1947BD5}"/>
-              </a:ext>
-            </a:extLst>
-          </p:cNvPr>
-          <p:cNvCxnSpPr>
-            <a:stCxn id="4" idx="2"/>
-          </p:cNvCxnSpPr>
-          <p:nvPr/>
-        </p:nvCxnSpPr>
-        <p:spPr>
-          <a:xfrm>
-            <a:off x="4121554" y="3567897"/>
-            <a:ext cx="10607" cy="914399"/>
-          </a:xfrm>
-          <a:prstGeom prst="line">
-            <a:avLst/>
-          </a:prstGeom>
-        </p:spPr>
-        <p:style>
-          <a:lnRef idx="1">
-            <a:schemeClr val="accent1"/>
-          </a:lnRef>
-          <a:fillRef idx="0">
-            <a:schemeClr val="accent1"/>
-          </a:fillRef>
-          <a:effectRef idx="0">
-            <a:schemeClr val="accent1"/>
-          </a:effectRef>
-          <a:fontRef idx="minor">
-            <a:schemeClr val="tx1"/>
-          </a:fontRef>
-        </p:style>
-      </p:cxnSp>
-      <p:cxnSp>
-        <p:nvCxnSpPr>
-          <p:cNvPr id="10" name="Straight Connector 9">
-            <a:extLst>
-              <a:ext uri="{FF2B5EF4-FFF2-40B4-BE49-F238E27FC236}">
-                <a16:creationId xmlns:a16="http://schemas.microsoft.com/office/drawing/2014/main" id="{67F19B85-5E2D-44FB-954E-09E7F702EE06}"/>
-              </a:ext>
-            </a:extLst>
-          </p:cNvPr>
-          <p:cNvCxnSpPr>
-            <a:cxnSpLocks/>
-            <a:endCxn id="5" idx="0"/>
-          </p:cNvCxnSpPr>
-          <p:nvPr/>
-        </p:nvCxnSpPr>
-        <p:spPr>
-          <a:xfrm>
-            <a:off x="2086338" y="4192929"/>
-            <a:ext cx="0" cy="384858"/>
-          </a:xfrm>
-          <a:prstGeom prst="line">
-            <a:avLst/>
-          </a:prstGeom>
-        </p:spPr>
-        <p:style>
-          <a:lnRef idx="1">
-            <a:schemeClr val="accent1"/>
-          </a:lnRef>
-          <a:fillRef idx="0">
-            <a:schemeClr val="accent1"/>
-          </a:fillRef>
-          <a:effectRef idx="0">
-            <a:schemeClr val="accent1"/>
-          </a:effectRef>
-          <a:fontRef idx="minor">
-            <a:schemeClr val="tx1"/>
-          </a:fontRef>
-        </p:style>
-      </p:cxnSp>
-      <p:cxnSp>
-        <p:nvCxnSpPr>
-          <p:cNvPr id="11" name="Straight Connector 10">
-            <a:extLst>
-              <a:ext uri="{FF2B5EF4-FFF2-40B4-BE49-F238E27FC236}">
-                <a16:creationId xmlns:a16="http://schemas.microsoft.com/office/drawing/2014/main" id="{5BE854E1-E80F-4364-A128-56A0F5FB3083}"/>
-              </a:ext>
-            </a:extLst>
-          </p:cNvPr>
-          <p:cNvCxnSpPr>
-            <a:endCxn id="7" idx="0"/>
-          </p:cNvCxnSpPr>
-          <p:nvPr/>
-        </p:nvCxnSpPr>
-        <p:spPr>
-          <a:xfrm flipH="1">
-            <a:off x="6519446" y="4192929"/>
-            <a:ext cx="8675" cy="384857"/>
-          </a:xfrm>
-          <a:prstGeom prst="line">
-            <a:avLst/>
-          </a:prstGeom>
-        </p:spPr>
-        <p:style>
-          <a:lnRef idx="1">
-            <a:schemeClr val="accent1"/>
-          </a:lnRef>
-          <a:fillRef idx="0">
-            <a:schemeClr val="accent1"/>
-          </a:fillRef>
-          <a:effectRef idx="0">
-            <a:schemeClr val="accent1"/>
-          </a:effectRef>
-          <a:fontRef idx="minor">
-            <a:schemeClr val="tx1"/>
-          </a:fontRef>
-        </p:style>
-      </p:cxnSp>
-      <p:sp>
-        <p:nvSpPr>
-          <p:cNvPr id="12" name="Rectangle 11">
-            <a:extLst>
-              <a:ext uri="{FF2B5EF4-FFF2-40B4-BE49-F238E27FC236}">
-                <a16:creationId xmlns:a16="http://schemas.microsoft.com/office/drawing/2014/main" id="{FAD89D35-0977-40A9-87F1-AAE2776DCDE8}"/>
-              </a:ext>
-            </a:extLst>
-          </p:cNvPr>
-          <p:cNvSpPr/>
-          <p:nvPr/>
-        </p:nvSpPr>
-        <p:spPr>
-          <a:xfrm>
-            <a:off x="4311628" y="3813081"/>
-            <a:ext cx="2505814" cy="369332"/>
-          </a:xfrm>
-          <a:prstGeom prst="rect">
-            <a:avLst/>
-          </a:prstGeom>
-        </p:spPr>
-        <p:txBody>
-          <a:bodyPr wrap="none">
-            <a:spAutoFit/>
-          </a:bodyPr>
-          <a:lstStyle/>
-          <a:p>
-            <a:r>
-              <a:rPr lang="en-US" dirty="0">
-                <a:solidFill>
-                  <a:srgbClr val="333333"/>
-                </a:solidFill>
-                <a:latin typeface="Arial" panose="020B0604020202020204" pitchFamily="34" charset="0"/>
-              </a:rPr>
-              <a:t>Grid Engine Scheduler</a:t>
-            </a:r>
-            <a:endParaRPr lang="en-US" dirty="0"/>
-          </a:p>
-        </p:txBody>
-      </p:sp>
-      <p:sp>
-        <p:nvSpPr>
-          <p:cNvPr id="22" name="Freeform: Shape 21">
-            <a:extLst>
-              <a:ext uri="{FF2B5EF4-FFF2-40B4-BE49-F238E27FC236}">
-                <a16:creationId xmlns:a16="http://schemas.microsoft.com/office/drawing/2014/main" id="{3C476879-4BE4-47A8-A237-0DF90B0CA94B}"/>
-              </a:ext>
-            </a:extLst>
-          </p:cNvPr>
-          <p:cNvSpPr/>
-          <p:nvPr/>
-        </p:nvSpPr>
-        <p:spPr>
-          <a:xfrm>
-            <a:off x="1863189" y="3641558"/>
-            <a:ext cx="2035043" cy="946484"/>
-          </a:xfrm>
-          <a:custGeom>
-            <a:avLst/>
-            <a:gdLst>
-              <a:gd name="connsiteX0" fmla="*/ 2035043 w 2035043"/>
-              <a:gd name="connsiteY0" fmla="*/ 0 h 946484"/>
-              <a:gd name="connsiteX1" fmla="*/ 2019000 w 2035043"/>
-              <a:gd name="connsiteY1" fmla="*/ 256674 h 946484"/>
-              <a:gd name="connsiteX2" fmla="*/ 1874622 w 2035043"/>
-              <a:gd name="connsiteY2" fmla="*/ 368968 h 946484"/>
-              <a:gd name="connsiteX3" fmla="*/ 1842537 w 2035043"/>
-              <a:gd name="connsiteY3" fmla="*/ 401053 h 946484"/>
-              <a:gd name="connsiteX4" fmla="*/ 1794411 w 2035043"/>
-              <a:gd name="connsiteY4" fmla="*/ 417095 h 946484"/>
-              <a:gd name="connsiteX5" fmla="*/ 1473569 w 2035043"/>
-              <a:gd name="connsiteY5" fmla="*/ 401053 h 946484"/>
-              <a:gd name="connsiteX6" fmla="*/ 1425443 w 2035043"/>
-              <a:gd name="connsiteY6" fmla="*/ 385010 h 946484"/>
-              <a:gd name="connsiteX7" fmla="*/ 414790 w 2035043"/>
-              <a:gd name="connsiteY7" fmla="*/ 385010 h 946484"/>
-              <a:gd name="connsiteX8" fmla="*/ 334579 w 2035043"/>
-              <a:gd name="connsiteY8" fmla="*/ 401053 h 946484"/>
-              <a:gd name="connsiteX9" fmla="*/ 286453 w 2035043"/>
-              <a:gd name="connsiteY9" fmla="*/ 417095 h 946484"/>
-              <a:gd name="connsiteX10" fmla="*/ 222285 w 2035043"/>
-              <a:gd name="connsiteY10" fmla="*/ 433137 h 946484"/>
-              <a:gd name="connsiteX11" fmla="*/ 126032 w 2035043"/>
-              <a:gd name="connsiteY11" fmla="*/ 481263 h 946484"/>
-              <a:gd name="connsiteX12" fmla="*/ 29779 w 2035043"/>
-              <a:gd name="connsiteY12" fmla="*/ 946484 h 946484"/>
-            </a:gdLst>
-            <a:ahLst/>
-            <a:cxnLst>
-              <a:cxn ang="0">
-                <a:pos x="connsiteX0" y="connsiteY0"/>
-              </a:cxn>
-              <a:cxn ang="0">
-                <a:pos x="connsiteX1" y="connsiteY1"/>
-              </a:cxn>
-              <a:cxn ang="0">
-                <a:pos x="connsiteX2" y="connsiteY2"/>
-              </a:cxn>
-              <a:cxn ang="0">
-                <a:pos x="connsiteX3" y="connsiteY3"/>
-              </a:cxn>
-              <a:cxn ang="0">
-                <a:pos x="connsiteX4" y="connsiteY4"/>
-              </a:cxn>
-              <a:cxn ang="0">
-                <a:pos x="connsiteX5" y="connsiteY5"/>
-              </a:cxn>
-              <a:cxn ang="0">
-                <a:pos x="connsiteX6" y="connsiteY6"/>
-              </a:cxn>
-              <a:cxn ang="0">
-                <a:pos x="connsiteX7" y="connsiteY7"/>
-              </a:cxn>
-              <a:cxn ang="0">
-                <a:pos x="connsiteX8" y="connsiteY8"/>
-              </a:cxn>
-              <a:cxn ang="0">
-                <a:pos x="connsiteX9" y="connsiteY9"/>
-              </a:cxn>
-              <a:cxn ang="0">
-                <a:pos x="connsiteX10" y="connsiteY10"/>
-              </a:cxn>
-              <a:cxn ang="0">
-                <a:pos x="connsiteX11" y="connsiteY11"/>
-              </a:cxn>
-              <a:cxn ang="0">
-                <a:pos x="connsiteX12" y="connsiteY12"/>
-              </a:cxn>
-            </a:cxnLst>
-            <a:rect l="l" t="t" r="r" b="b"/>
-            <a:pathLst>
-              <a:path w="2035043" h="946484">
-                <a:moveTo>
-                  <a:pt x="2035043" y="0"/>
-                </a:moveTo>
-                <a:cubicBezTo>
-                  <a:pt x="2029695" y="85558"/>
-                  <a:pt x="2044992" y="174984"/>
-                  <a:pt x="2019000" y="256674"/>
-                </a:cubicBezTo>
-                <a:cubicBezTo>
-                  <a:pt x="1993323" y="337372"/>
-                  <a:pt x="1935035" y="348830"/>
-                  <a:pt x="1874622" y="368968"/>
-                </a:cubicBezTo>
-                <a:cubicBezTo>
-                  <a:pt x="1863927" y="379663"/>
-                  <a:pt x="1855507" y="393271"/>
-                  <a:pt x="1842537" y="401053"/>
-                </a:cubicBezTo>
-                <a:cubicBezTo>
-                  <a:pt x="1828037" y="409753"/>
-                  <a:pt x="1811321" y="417095"/>
-                  <a:pt x="1794411" y="417095"/>
-                </a:cubicBezTo>
-                <a:cubicBezTo>
-                  <a:pt x="1687330" y="417095"/>
-                  <a:pt x="1580516" y="406400"/>
-                  <a:pt x="1473569" y="401053"/>
-                </a:cubicBezTo>
-                <a:cubicBezTo>
-                  <a:pt x="1457527" y="395705"/>
-                  <a:pt x="1441950" y="388678"/>
-                  <a:pt x="1425443" y="385010"/>
-                </a:cubicBezTo>
-                <a:cubicBezTo>
-                  <a:pt x="1120477" y="317238"/>
-                  <a:pt x="499601" y="383522"/>
-                  <a:pt x="414790" y="385010"/>
-                </a:cubicBezTo>
-                <a:cubicBezTo>
-                  <a:pt x="388053" y="390358"/>
-                  <a:pt x="361031" y="394440"/>
-                  <a:pt x="334579" y="401053"/>
-                </a:cubicBezTo>
-                <a:cubicBezTo>
-                  <a:pt x="318174" y="405154"/>
-                  <a:pt x="302712" y="412450"/>
-                  <a:pt x="286453" y="417095"/>
-                </a:cubicBezTo>
-                <a:cubicBezTo>
-                  <a:pt x="265254" y="423152"/>
-                  <a:pt x="243674" y="427790"/>
-                  <a:pt x="222285" y="433137"/>
-                </a:cubicBezTo>
-                <a:cubicBezTo>
-                  <a:pt x="8621" y="575577"/>
-                  <a:pt x="325293" y="370563"/>
-                  <a:pt x="126032" y="481263"/>
-                </a:cubicBezTo>
-                <a:cubicBezTo>
-                  <a:pt x="-81453" y="596532"/>
-                  <a:pt x="29779" y="586794"/>
-                  <a:pt x="29779" y="946484"/>
-                </a:cubicBezTo>
-              </a:path>
-            </a:pathLst>
-          </a:custGeom>
-          <a:ln>
-            <a:solidFill>
-              <a:srgbClr val="FF0000"/>
-            </a:solidFill>
-            <a:tailEnd type="triangle"/>
-          </a:ln>
-        </p:spPr>
-        <p:style>
-          <a:lnRef idx="1">
-            <a:schemeClr val="accent1"/>
-          </a:lnRef>
-          <a:fillRef idx="0">
-            <a:schemeClr val="accent1"/>
-          </a:fillRef>
-          <a:effectRef idx="0">
-            <a:schemeClr val="accent1"/>
-          </a:effectRef>
-          <a:fontRef idx="minor">
-            <a:schemeClr val="tx1"/>
-          </a:fontRef>
-        </p:style>
-        <p:txBody>
-          <a:bodyPr rtlCol="0" anchor="ctr"/>
-          <a:lstStyle/>
-          <a:p>
-            <a:pPr algn="ctr"/>
-            <a:endParaRPr lang="en-US"/>
-          </a:p>
-        </p:txBody>
-      </p:sp>
-    </p:spTree>
-    <p:extLst>
-      <p:ext uri="{BB962C8B-B14F-4D97-AF65-F5344CB8AC3E}">
-        <p14:creationId xmlns:p14="http://schemas.microsoft.com/office/powerpoint/2010/main" val="1060282807"/>
-      </p:ext>
-    </p:extLst>
-  </p:cSld>
-  <p:clrMapOvr>
-    <a:masterClrMapping/>
-  </p:clrMapOvr>
-</p:sld>
-</file>
-
-<file path=ppt/slides/slide47.xml><?xml version="1.0" encoding="utf-8"?>
-<p:sld xmlns:a="http://schemas.openxmlformats.org/drawingml/2006/main" xmlns:r="http://schemas.openxmlformats.org/officeDocument/2006/relationships" xmlns:p="http://schemas.openxmlformats.org/presentationml/2006/main">
-  <p:cSld>
-    <p:spTree>
-      <p:nvGrpSpPr>
-        <p:cNvPr id="1" name=""/>
-        <p:cNvGrpSpPr/>
-        <p:nvPr/>
-      </p:nvGrpSpPr>
-      <p:grpSpPr>
-        <a:xfrm>
-          <a:off x="0" y="0"/>
-          <a:ext cx="0" cy="0"/>
-          <a:chOff x="0" y="0"/>
-          <a:chExt cx="0" cy="0"/>
-        </a:xfrm>
-      </p:grpSpPr>
-      <p:sp>
-        <p:nvSpPr>
-          <p:cNvPr id="2" name="Title 1">
-            <a:extLst>
-              <a:ext uri="{FF2B5EF4-FFF2-40B4-BE49-F238E27FC236}">
-                <a16:creationId xmlns:a16="http://schemas.microsoft.com/office/drawing/2014/main" id="{F106FC69-F4F4-477D-9A5D-63B0AEB15A9F}"/>
-              </a:ext>
-            </a:extLst>
-          </p:cNvPr>
-          <p:cNvSpPr>
-            <a:spLocks noGrp="1"/>
-          </p:cNvSpPr>
-          <p:nvPr>
-            <p:ph type="title"/>
-          </p:nvPr>
-        </p:nvSpPr>
-        <p:spPr/>
-        <p:txBody>
-          <a:bodyPr/>
-          <a:lstStyle/>
-          <a:p>
-            <a:r>
-              <a:rPr lang="en-US" dirty="0"/>
-              <a:t>Job submission</a:t>
-            </a:r>
-          </a:p>
-        </p:txBody>
-      </p:sp>
-      <p:sp>
-        <p:nvSpPr>
-          <p:cNvPr id="3" name="Content Placeholder 2">
-            <a:extLst>
-              <a:ext uri="{FF2B5EF4-FFF2-40B4-BE49-F238E27FC236}">
-                <a16:creationId xmlns:a16="http://schemas.microsoft.com/office/drawing/2014/main" id="{F7FD468D-656B-48E1-90D6-5D651345DEDD}"/>
-              </a:ext>
-            </a:extLst>
-          </p:cNvPr>
-          <p:cNvSpPr>
-            <a:spLocks noGrp="1"/>
-          </p:cNvSpPr>
-          <p:nvPr>
-            <p:ph idx="1"/>
-          </p:nvPr>
-        </p:nvSpPr>
-        <p:spPr/>
-        <p:txBody>
-          <a:bodyPr/>
-          <a:lstStyle/>
-          <a:p>
-            <a:r>
-              <a:rPr lang="en-US" dirty="0"/>
-              <a:t>Interactive mode vs Batch mode</a:t>
-            </a:r>
-          </a:p>
-        </p:txBody>
-      </p:sp>
-      <p:sp>
-        <p:nvSpPr>
-          <p:cNvPr id="4" name="Rectangle: Rounded Corners 3">
-            <a:extLst>
-              <a:ext uri="{FF2B5EF4-FFF2-40B4-BE49-F238E27FC236}">
-                <a16:creationId xmlns:a16="http://schemas.microsoft.com/office/drawing/2014/main" id="{84BDA9CA-110D-48D1-9DF1-897B8BB2A0F7}"/>
-              </a:ext>
-            </a:extLst>
-          </p:cNvPr>
-          <p:cNvSpPr/>
-          <p:nvPr/>
-        </p:nvSpPr>
-        <p:spPr>
-          <a:xfrm>
-            <a:off x="3166643" y="3070185"/>
-            <a:ext cx="1909821" cy="497712"/>
-          </a:xfrm>
-          <a:prstGeom prst="roundRect">
-            <a:avLst>
-              <a:gd name="adj" fmla="val 39640"/>
-            </a:avLst>
-          </a:prstGeom>
-          <a:solidFill>
-            <a:schemeClr val="bg1">
-              <a:lumMod val="85000"/>
-            </a:schemeClr>
-          </a:solidFill>
-          <a:ln>
-            <a:solidFill>
-              <a:schemeClr val="tx1"/>
-            </a:solidFill>
-          </a:ln>
-          <a:effectLst>
-            <a:outerShdw blurRad="292100" dist="139700" dir="2700000" algn="tl" rotWithShape="0">
-              <a:srgbClr val="333333">
-                <a:alpha val="65000"/>
-              </a:srgbClr>
-            </a:outerShdw>
-          </a:effectLst>
-        </p:spPr>
-        <p:style>
-          <a:lnRef idx="2">
-            <a:schemeClr val="accent1">
-              <a:shade val="50000"/>
-            </a:schemeClr>
-          </a:lnRef>
-          <a:fillRef idx="1">
-            <a:schemeClr val="accent1"/>
-          </a:fillRef>
-          <a:effectRef idx="0">
-            <a:schemeClr val="accent1"/>
-          </a:effectRef>
-          <a:fontRef idx="minor">
-            <a:schemeClr val="lt1"/>
-          </a:fontRef>
-        </p:style>
-        <p:txBody>
-          <a:bodyPr rtlCol="0" anchor="ctr"/>
-          <a:lstStyle/>
-          <a:p>
-            <a:pPr algn="ctr"/>
-            <a:r>
-              <a:rPr lang="en-US" b="1" dirty="0">
-                <a:solidFill>
-                  <a:schemeClr val="tx1"/>
-                </a:solidFill>
-              </a:rPr>
-              <a:t>Login node</a:t>
-            </a:r>
-          </a:p>
-        </p:txBody>
-      </p:sp>
-      <p:sp>
-        <p:nvSpPr>
-          <p:cNvPr id="5" name="Rectangle: Rounded Corners 4">
-            <a:extLst>
-              <a:ext uri="{FF2B5EF4-FFF2-40B4-BE49-F238E27FC236}">
-                <a16:creationId xmlns:a16="http://schemas.microsoft.com/office/drawing/2014/main" id="{607B223C-F284-441E-8456-A8480E9E44AE}"/>
-              </a:ext>
-            </a:extLst>
-          </p:cNvPr>
-          <p:cNvSpPr/>
-          <p:nvPr/>
-        </p:nvSpPr>
-        <p:spPr>
-          <a:xfrm>
-            <a:off x="1131427" y="4577787"/>
-            <a:ext cx="1909821" cy="726311"/>
-          </a:xfrm>
-          <a:prstGeom prst="roundRect">
-            <a:avLst>
-              <a:gd name="adj" fmla="val 39640"/>
-            </a:avLst>
-          </a:prstGeom>
-          <a:solidFill>
-            <a:schemeClr val="bg1">
-              <a:lumMod val="85000"/>
-            </a:schemeClr>
-          </a:solidFill>
-          <a:ln>
-            <a:solidFill>
-              <a:schemeClr val="tx1"/>
-            </a:solidFill>
-          </a:ln>
-          <a:effectLst>
-            <a:outerShdw blurRad="292100" dist="139700" dir="2700000" algn="tl" rotWithShape="0">
-              <a:srgbClr val="333333">
-                <a:alpha val="65000"/>
-              </a:srgbClr>
-            </a:outerShdw>
-          </a:effectLst>
-        </p:spPr>
-        <p:style>
-          <a:lnRef idx="2">
-            <a:schemeClr val="accent1">
-              <a:shade val="50000"/>
-            </a:schemeClr>
-          </a:lnRef>
-          <a:fillRef idx="1">
-            <a:schemeClr val="accent1"/>
-          </a:fillRef>
-          <a:effectRef idx="0">
-            <a:schemeClr val="accent1"/>
-          </a:effectRef>
-          <a:fontRef idx="minor">
-            <a:schemeClr val="lt1"/>
-          </a:fontRef>
-        </p:style>
-        <p:txBody>
-          <a:bodyPr rtlCol="0" anchor="ctr"/>
-          <a:lstStyle/>
-          <a:p>
-            <a:pPr algn="ctr"/>
-            <a:r>
-              <a:rPr lang="en-US" sz="1400" b="1" dirty="0">
-                <a:solidFill>
-                  <a:schemeClr val="tx1"/>
-                </a:solidFill>
-              </a:rPr>
-              <a:t>Computational node (interactive)</a:t>
-            </a:r>
-          </a:p>
-        </p:txBody>
-      </p:sp>
-      <p:sp>
-        <p:nvSpPr>
-          <p:cNvPr id="6" name="Rectangle: Rounded Corners 5">
-            <a:extLst>
-              <a:ext uri="{FF2B5EF4-FFF2-40B4-BE49-F238E27FC236}">
-                <a16:creationId xmlns:a16="http://schemas.microsoft.com/office/drawing/2014/main" id="{0FFD7ADD-58D3-4746-A1BC-7E99C158DC2E}"/>
-              </a:ext>
-            </a:extLst>
-          </p:cNvPr>
-          <p:cNvSpPr/>
-          <p:nvPr/>
-        </p:nvSpPr>
-        <p:spPr>
-          <a:xfrm>
-            <a:off x="3347981" y="4586470"/>
-            <a:ext cx="1909821" cy="726311"/>
-          </a:xfrm>
-          <a:prstGeom prst="roundRect">
-            <a:avLst>
-              <a:gd name="adj" fmla="val 39640"/>
-            </a:avLst>
-          </a:prstGeom>
-          <a:solidFill>
-            <a:schemeClr val="bg1">
-              <a:lumMod val="85000"/>
-            </a:schemeClr>
-          </a:solidFill>
-          <a:ln>
-            <a:solidFill>
-              <a:schemeClr val="tx1"/>
-            </a:solidFill>
-          </a:ln>
-          <a:effectLst>
-            <a:outerShdw blurRad="292100" dist="139700" dir="2700000" algn="tl" rotWithShape="0">
-              <a:srgbClr val="333333">
-                <a:alpha val="65000"/>
-              </a:srgbClr>
-            </a:outerShdw>
-          </a:effectLst>
-        </p:spPr>
-        <p:style>
-          <a:lnRef idx="2">
-            <a:schemeClr val="accent1">
-              <a:shade val="50000"/>
-            </a:schemeClr>
-          </a:lnRef>
-          <a:fillRef idx="1">
-            <a:schemeClr val="accent1"/>
-          </a:fillRef>
-          <a:effectRef idx="0">
-            <a:schemeClr val="accent1"/>
-          </a:effectRef>
-          <a:fontRef idx="minor">
-            <a:schemeClr val="lt1"/>
-          </a:fontRef>
-        </p:style>
-        <p:txBody>
-          <a:bodyPr rtlCol="0" anchor="ctr"/>
-          <a:lstStyle/>
-          <a:p>
-            <a:pPr algn="ctr"/>
-            <a:r>
-              <a:rPr lang="en-US" sz="1400" b="1" dirty="0">
-                <a:solidFill>
-                  <a:schemeClr val="tx1"/>
-                </a:solidFill>
-              </a:rPr>
-              <a:t>Computational node</a:t>
-            </a:r>
-          </a:p>
-        </p:txBody>
-      </p:sp>
-      <p:sp>
-        <p:nvSpPr>
-          <p:cNvPr id="7" name="Rectangle: Rounded Corners 6">
-            <a:extLst>
-              <a:ext uri="{FF2B5EF4-FFF2-40B4-BE49-F238E27FC236}">
-                <a16:creationId xmlns:a16="http://schemas.microsoft.com/office/drawing/2014/main" id="{107BA3EF-C83B-40C8-BD6B-F2EC4519AC17}"/>
-              </a:ext>
-            </a:extLst>
-          </p:cNvPr>
-          <p:cNvSpPr/>
-          <p:nvPr/>
-        </p:nvSpPr>
-        <p:spPr>
-          <a:xfrm>
-            <a:off x="5564535" y="4577786"/>
-            <a:ext cx="1909821" cy="726311"/>
-          </a:xfrm>
-          <a:prstGeom prst="roundRect">
-            <a:avLst>
-              <a:gd name="adj" fmla="val 39640"/>
-            </a:avLst>
-          </a:prstGeom>
-          <a:solidFill>
-            <a:schemeClr val="bg1">
-              <a:lumMod val="85000"/>
-            </a:schemeClr>
-          </a:solidFill>
-          <a:ln>
-            <a:solidFill>
-              <a:schemeClr val="tx1"/>
-            </a:solidFill>
-          </a:ln>
-          <a:effectLst>
-            <a:outerShdw blurRad="292100" dist="139700" dir="2700000" algn="tl" rotWithShape="0">
-              <a:srgbClr val="333333">
-                <a:alpha val="65000"/>
-              </a:srgbClr>
-            </a:outerShdw>
-          </a:effectLst>
-        </p:spPr>
-        <p:style>
-          <a:lnRef idx="2">
-            <a:schemeClr val="accent1">
-              <a:shade val="50000"/>
-            </a:schemeClr>
-          </a:lnRef>
-          <a:fillRef idx="1">
-            <a:schemeClr val="accent1"/>
-          </a:fillRef>
-          <a:effectRef idx="0">
-            <a:schemeClr val="accent1"/>
-          </a:effectRef>
-          <a:fontRef idx="minor">
-            <a:schemeClr val="lt1"/>
-          </a:fontRef>
-        </p:style>
-        <p:txBody>
-          <a:bodyPr rtlCol="0" anchor="ctr"/>
-          <a:lstStyle/>
-          <a:p>
-            <a:pPr algn="ctr"/>
-            <a:r>
-              <a:rPr lang="en-US" sz="1400" b="1" dirty="0">
-                <a:solidFill>
-                  <a:schemeClr val="tx1"/>
-                </a:solidFill>
-              </a:rPr>
-              <a:t>Computational node</a:t>
-            </a:r>
-          </a:p>
-        </p:txBody>
-      </p:sp>
-      <p:cxnSp>
-        <p:nvCxnSpPr>
-          <p:cNvPr id="8" name="Straight Connector 7">
-            <a:extLst>
-              <a:ext uri="{FF2B5EF4-FFF2-40B4-BE49-F238E27FC236}">
-                <a16:creationId xmlns:a16="http://schemas.microsoft.com/office/drawing/2014/main" id="{8E7CCF46-22CD-4806-970C-596628DB0F5C}"/>
-              </a:ext>
-            </a:extLst>
-          </p:cNvPr>
-          <p:cNvCxnSpPr>
-            <a:cxnSpLocks/>
-          </p:cNvCxnSpPr>
-          <p:nvPr/>
-        </p:nvCxnSpPr>
-        <p:spPr>
-          <a:xfrm>
-            <a:off x="2086338" y="4192929"/>
-            <a:ext cx="4430208" cy="0"/>
-          </a:xfrm>
-          <a:prstGeom prst="line">
-            <a:avLst/>
-          </a:prstGeom>
-        </p:spPr>
-        <p:style>
-          <a:lnRef idx="1">
-            <a:schemeClr val="accent1"/>
-          </a:lnRef>
-          <a:fillRef idx="0">
-            <a:schemeClr val="accent1"/>
-          </a:fillRef>
-          <a:effectRef idx="0">
-            <a:schemeClr val="accent1"/>
-          </a:effectRef>
-          <a:fontRef idx="minor">
-            <a:schemeClr val="tx1"/>
-          </a:fontRef>
-        </p:style>
-      </p:cxnSp>
-      <p:cxnSp>
-        <p:nvCxnSpPr>
-          <p:cNvPr id="9" name="Straight Connector 8">
-            <a:extLst>
-              <a:ext uri="{FF2B5EF4-FFF2-40B4-BE49-F238E27FC236}">
-                <a16:creationId xmlns:a16="http://schemas.microsoft.com/office/drawing/2014/main" id="{63F6816A-0981-4B28-8BD0-F03DB1947BD5}"/>
-              </a:ext>
-            </a:extLst>
-          </p:cNvPr>
-          <p:cNvCxnSpPr>
-            <a:stCxn id="4" idx="2"/>
-          </p:cNvCxnSpPr>
-          <p:nvPr/>
-        </p:nvCxnSpPr>
-        <p:spPr>
-          <a:xfrm>
-            <a:off x="4121554" y="3567897"/>
-            <a:ext cx="10607" cy="914399"/>
-          </a:xfrm>
-          <a:prstGeom prst="line">
-            <a:avLst/>
-          </a:prstGeom>
-        </p:spPr>
-        <p:style>
-          <a:lnRef idx="1">
-            <a:schemeClr val="accent1"/>
-          </a:lnRef>
-          <a:fillRef idx="0">
-            <a:schemeClr val="accent1"/>
-          </a:fillRef>
-          <a:effectRef idx="0">
-            <a:schemeClr val="accent1"/>
-          </a:effectRef>
-          <a:fontRef idx="minor">
-            <a:schemeClr val="tx1"/>
-          </a:fontRef>
-        </p:style>
-      </p:cxnSp>
-      <p:cxnSp>
-        <p:nvCxnSpPr>
-          <p:cNvPr id="10" name="Straight Connector 9">
-            <a:extLst>
-              <a:ext uri="{FF2B5EF4-FFF2-40B4-BE49-F238E27FC236}">
-                <a16:creationId xmlns:a16="http://schemas.microsoft.com/office/drawing/2014/main" id="{67F19B85-5E2D-44FB-954E-09E7F702EE06}"/>
-              </a:ext>
-            </a:extLst>
-          </p:cNvPr>
-          <p:cNvCxnSpPr>
-            <a:cxnSpLocks/>
-            <a:endCxn id="5" idx="0"/>
-          </p:cNvCxnSpPr>
-          <p:nvPr/>
-        </p:nvCxnSpPr>
-        <p:spPr>
-          <a:xfrm>
-            <a:off x="2086338" y="4192929"/>
-            <a:ext cx="0" cy="384858"/>
-          </a:xfrm>
-          <a:prstGeom prst="line">
-            <a:avLst/>
-          </a:prstGeom>
-        </p:spPr>
-        <p:style>
-          <a:lnRef idx="1">
-            <a:schemeClr val="accent1"/>
-          </a:lnRef>
-          <a:fillRef idx="0">
-            <a:schemeClr val="accent1"/>
-          </a:fillRef>
-          <a:effectRef idx="0">
-            <a:schemeClr val="accent1"/>
-          </a:effectRef>
-          <a:fontRef idx="minor">
-            <a:schemeClr val="tx1"/>
-          </a:fontRef>
-        </p:style>
-      </p:cxnSp>
-      <p:cxnSp>
-        <p:nvCxnSpPr>
-          <p:cNvPr id="11" name="Straight Connector 10">
-            <a:extLst>
-              <a:ext uri="{FF2B5EF4-FFF2-40B4-BE49-F238E27FC236}">
-                <a16:creationId xmlns:a16="http://schemas.microsoft.com/office/drawing/2014/main" id="{5BE854E1-E80F-4364-A128-56A0F5FB3083}"/>
-              </a:ext>
-            </a:extLst>
-          </p:cNvPr>
-          <p:cNvCxnSpPr>
-            <a:endCxn id="7" idx="0"/>
-          </p:cNvCxnSpPr>
-          <p:nvPr/>
-        </p:nvCxnSpPr>
-        <p:spPr>
-          <a:xfrm flipH="1">
-            <a:off x="6519446" y="4192929"/>
-            <a:ext cx="8675" cy="384857"/>
-          </a:xfrm>
-          <a:prstGeom prst="line">
-            <a:avLst/>
-          </a:prstGeom>
-        </p:spPr>
-        <p:style>
-          <a:lnRef idx="1">
-            <a:schemeClr val="accent1"/>
-          </a:lnRef>
-          <a:fillRef idx="0">
-            <a:schemeClr val="accent1"/>
-          </a:fillRef>
-          <a:effectRef idx="0">
-            <a:schemeClr val="accent1"/>
-          </a:effectRef>
-          <a:fontRef idx="minor">
-            <a:schemeClr val="tx1"/>
-          </a:fontRef>
-        </p:style>
-      </p:cxnSp>
-      <p:sp>
-        <p:nvSpPr>
-          <p:cNvPr id="12" name="Rectangle 11">
-            <a:extLst>
-              <a:ext uri="{FF2B5EF4-FFF2-40B4-BE49-F238E27FC236}">
-                <a16:creationId xmlns:a16="http://schemas.microsoft.com/office/drawing/2014/main" id="{FAD89D35-0977-40A9-87F1-AAE2776DCDE8}"/>
-              </a:ext>
-            </a:extLst>
-          </p:cNvPr>
-          <p:cNvSpPr/>
-          <p:nvPr/>
-        </p:nvSpPr>
-        <p:spPr>
-          <a:xfrm>
-            <a:off x="4311628" y="3813081"/>
-            <a:ext cx="2505814" cy="369332"/>
-          </a:xfrm>
-          <a:prstGeom prst="rect">
-            <a:avLst/>
-          </a:prstGeom>
-        </p:spPr>
-        <p:txBody>
-          <a:bodyPr wrap="none">
-            <a:spAutoFit/>
-          </a:bodyPr>
-          <a:lstStyle/>
-          <a:p>
-            <a:r>
-              <a:rPr lang="en-US" dirty="0">
-                <a:solidFill>
-                  <a:srgbClr val="333333"/>
-                </a:solidFill>
-                <a:latin typeface="Arial" panose="020B0604020202020204" pitchFamily="34" charset="0"/>
-              </a:rPr>
-              <a:t>Grid Engine Scheduler</a:t>
-            </a:r>
-            <a:endParaRPr lang="en-US" dirty="0"/>
-          </a:p>
-        </p:txBody>
-      </p:sp>
-      <p:cxnSp>
-        <p:nvCxnSpPr>
-          <p:cNvPr id="14" name="Straight Arrow Connector 13">
-            <a:extLst>
-              <a:ext uri="{FF2B5EF4-FFF2-40B4-BE49-F238E27FC236}">
-                <a16:creationId xmlns:a16="http://schemas.microsoft.com/office/drawing/2014/main" id="{A527438B-D7DE-4A79-B3DC-8F8B269A0F07}"/>
-              </a:ext>
-            </a:extLst>
-          </p:cNvPr>
-          <p:cNvCxnSpPr>
-            <a:cxnSpLocks/>
-          </p:cNvCxnSpPr>
-          <p:nvPr/>
-        </p:nvCxnSpPr>
-        <p:spPr>
-          <a:xfrm>
-            <a:off x="4475747" y="3567897"/>
-            <a:ext cx="336885" cy="245184"/>
-          </a:xfrm>
-          <a:prstGeom prst="straightConnector1">
-            <a:avLst/>
-          </a:prstGeom>
-          <a:ln>
-            <a:solidFill>
-              <a:srgbClr val="FF0000"/>
-            </a:solidFill>
-            <a:tailEnd type="triangle"/>
-          </a:ln>
-        </p:spPr>
-        <p:style>
-          <a:lnRef idx="1">
-            <a:schemeClr val="accent1"/>
-          </a:lnRef>
-          <a:fillRef idx="0">
-            <a:schemeClr val="accent1"/>
-          </a:fillRef>
-          <a:effectRef idx="0">
-            <a:schemeClr val="accent1"/>
-          </a:effectRef>
-          <a:fontRef idx="minor">
-            <a:schemeClr val="tx1"/>
-          </a:fontRef>
-        </p:style>
-      </p:cxnSp>
-      <p:sp>
-        <p:nvSpPr>
-          <p:cNvPr id="17" name="Freeform: Shape 16">
-            <a:extLst>
-              <a:ext uri="{FF2B5EF4-FFF2-40B4-BE49-F238E27FC236}">
-                <a16:creationId xmlns:a16="http://schemas.microsoft.com/office/drawing/2014/main" id="{3384107F-E944-4C72-936A-3247663BE4C7}"/>
-              </a:ext>
-            </a:extLst>
-          </p:cNvPr>
-          <p:cNvSpPr/>
-          <p:nvPr/>
-        </p:nvSpPr>
-        <p:spPr>
-          <a:xfrm>
-            <a:off x="4684295" y="4203032"/>
-            <a:ext cx="401052" cy="288757"/>
-          </a:xfrm>
-          <a:custGeom>
-            <a:avLst/>
-            <a:gdLst>
-              <a:gd name="connsiteX0" fmla="*/ 401052 w 401052"/>
-              <a:gd name="connsiteY0" fmla="*/ 0 h 288757"/>
-              <a:gd name="connsiteX1" fmla="*/ 208547 w 401052"/>
-              <a:gd name="connsiteY1" fmla="*/ 128336 h 288757"/>
-              <a:gd name="connsiteX2" fmla="*/ 160421 w 401052"/>
-              <a:gd name="connsiteY2" fmla="*/ 160421 h 288757"/>
-              <a:gd name="connsiteX3" fmla="*/ 112294 w 401052"/>
-              <a:gd name="connsiteY3" fmla="*/ 208547 h 288757"/>
-              <a:gd name="connsiteX4" fmla="*/ 0 w 401052"/>
-              <a:gd name="connsiteY4" fmla="*/ 288757 h 288757"/>
-            </a:gdLst>
-            <a:ahLst/>
-            <a:cxnLst>
-              <a:cxn ang="0">
-                <a:pos x="connsiteX0" y="connsiteY0"/>
-              </a:cxn>
-              <a:cxn ang="0">
-                <a:pos x="connsiteX1" y="connsiteY1"/>
-              </a:cxn>
-              <a:cxn ang="0">
-                <a:pos x="connsiteX2" y="connsiteY2"/>
-              </a:cxn>
-              <a:cxn ang="0">
-                <a:pos x="connsiteX3" y="connsiteY3"/>
-              </a:cxn>
-              <a:cxn ang="0">
-                <a:pos x="connsiteX4" y="connsiteY4"/>
-              </a:cxn>
-            </a:cxnLst>
-            <a:rect l="l" t="t" r="r" b="b"/>
-            <a:pathLst>
-              <a:path w="401052" h="288757">
-                <a:moveTo>
-                  <a:pt x="401052" y="0"/>
-                </a:moveTo>
-                <a:lnTo>
-                  <a:pt x="208547" y="128336"/>
-                </a:lnTo>
-                <a:cubicBezTo>
-                  <a:pt x="192505" y="139031"/>
-                  <a:pt x="174054" y="146788"/>
-                  <a:pt x="160421" y="160421"/>
-                </a:cubicBezTo>
-                <a:cubicBezTo>
-                  <a:pt x="144379" y="176463"/>
-                  <a:pt x="130202" y="194619"/>
-                  <a:pt x="112294" y="208547"/>
-                </a:cubicBezTo>
-                <a:cubicBezTo>
-                  <a:pt x="-41519" y="328178"/>
-                  <a:pt x="53363" y="235394"/>
-                  <a:pt x="0" y="288757"/>
-                </a:cubicBezTo>
-              </a:path>
-            </a:pathLst>
-          </a:custGeom>
-          <a:ln>
-            <a:solidFill>
-              <a:srgbClr val="FF0000"/>
-            </a:solidFill>
-            <a:tailEnd type="triangle"/>
-          </a:ln>
-        </p:spPr>
-        <p:style>
-          <a:lnRef idx="1">
-            <a:schemeClr val="accent1"/>
-          </a:lnRef>
-          <a:fillRef idx="0">
-            <a:schemeClr val="accent1"/>
-          </a:fillRef>
-          <a:effectRef idx="0">
-            <a:schemeClr val="accent1"/>
-          </a:effectRef>
-          <a:fontRef idx="minor">
-            <a:schemeClr val="tx1"/>
-          </a:fontRef>
-        </p:style>
-        <p:txBody>
-          <a:bodyPr rtlCol="0" anchor="ctr"/>
-          <a:lstStyle/>
-          <a:p>
-            <a:pPr algn="ctr"/>
-            <a:endParaRPr lang="en-US"/>
-          </a:p>
-        </p:txBody>
-      </p:sp>
-      <p:sp>
-        <p:nvSpPr>
-          <p:cNvPr id="20" name="Freeform: Shape 19">
-            <a:extLst>
-              <a:ext uri="{FF2B5EF4-FFF2-40B4-BE49-F238E27FC236}">
-                <a16:creationId xmlns:a16="http://schemas.microsoft.com/office/drawing/2014/main" id="{B7172110-0B82-4952-BD1B-6CDC1E92825E}"/>
-              </a:ext>
-            </a:extLst>
-          </p:cNvPr>
-          <p:cNvSpPr/>
-          <p:nvPr/>
-        </p:nvSpPr>
-        <p:spPr>
-          <a:xfrm>
-            <a:off x="6223400" y="4138863"/>
-            <a:ext cx="81147" cy="401053"/>
-          </a:xfrm>
-          <a:custGeom>
-            <a:avLst/>
-            <a:gdLst>
-              <a:gd name="connsiteX0" fmla="*/ 81147 w 81147"/>
-              <a:gd name="connsiteY0" fmla="*/ 0 h 401053"/>
-              <a:gd name="connsiteX1" fmla="*/ 49063 w 81147"/>
-              <a:gd name="connsiteY1" fmla="*/ 144379 h 401053"/>
-              <a:gd name="connsiteX2" fmla="*/ 33021 w 81147"/>
-              <a:gd name="connsiteY2" fmla="*/ 208548 h 401053"/>
-              <a:gd name="connsiteX3" fmla="*/ 16979 w 81147"/>
-              <a:gd name="connsiteY3" fmla="*/ 288758 h 401053"/>
-              <a:gd name="connsiteX4" fmla="*/ 937 w 81147"/>
-              <a:gd name="connsiteY4" fmla="*/ 401053 h 401053"/>
-            </a:gdLst>
-            <a:ahLst/>
-            <a:cxnLst>
-              <a:cxn ang="0">
-                <a:pos x="connsiteX0" y="connsiteY0"/>
-              </a:cxn>
-              <a:cxn ang="0">
-                <a:pos x="connsiteX1" y="connsiteY1"/>
-              </a:cxn>
-              <a:cxn ang="0">
-                <a:pos x="connsiteX2" y="connsiteY2"/>
-              </a:cxn>
-              <a:cxn ang="0">
-                <a:pos x="connsiteX3" y="connsiteY3"/>
-              </a:cxn>
-              <a:cxn ang="0">
-                <a:pos x="connsiteX4" y="connsiteY4"/>
-              </a:cxn>
-            </a:cxnLst>
-            <a:rect l="l" t="t" r="r" b="b"/>
-            <a:pathLst>
-              <a:path w="81147" h="401053">
-                <a:moveTo>
-                  <a:pt x="81147" y="0"/>
-                </a:moveTo>
-                <a:cubicBezTo>
-                  <a:pt x="70452" y="48126"/>
-                  <a:pt x="60149" y="96341"/>
-                  <a:pt x="49063" y="144379"/>
-                </a:cubicBezTo>
-                <a:cubicBezTo>
-                  <a:pt x="44105" y="165862"/>
-                  <a:pt x="37804" y="187025"/>
-                  <a:pt x="33021" y="208548"/>
-                </a:cubicBezTo>
-                <a:cubicBezTo>
-                  <a:pt x="27106" y="235165"/>
-                  <a:pt x="23592" y="262306"/>
-                  <a:pt x="16979" y="288758"/>
-                </a:cubicBezTo>
-                <a:cubicBezTo>
-                  <a:pt x="-5827" y="379982"/>
-                  <a:pt x="937" y="291126"/>
-                  <a:pt x="937" y="401053"/>
-                </a:cubicBezTo>
-              </a:path>
-            </a:pathLst>
-          </a:custGeom>
-          <a:ln>
-            <a:solidFill>
-              <a:srgbClr val="FF0000"/>
-            </a:solidFill>
-            <a:tailEnd type="triangle"/>
-          </a:ln>
-        </p:spPr>
-        <p:style>
-          <a:lnRef idx="1">
-            <a:schemeClr val="accent1"/>
-          </a:lnRef>
-          <a:fillRef idx="0">
-            <a:schemeClr val="accent1"/>
-          </a:fillRef>
-          <a:effectRef idx="0">
-            <a:schemeClr val="accent1"/>
-          </a:effectRef>
-          <a:fontRef idx="minor">
-            <a:schemeClr val="tx1"/>
-          </a:fontRef>
-        </p:style>
-        <p:txBody>
-          <a:bodyPr rot="0" spcFirstLastPara="0" vertOverflow="overflow" horzOverflow="overflow" vert="horz" wrap="square" lIns="91440" tIns="45720" rIns="91440" bIns="45720" numCol="1" spcCol="0" rtlCol="0" fromWordArt="0" anchor="ctr" anchorCtr="0" forceAA="0" compatLnSpc="1">
-            <a:prstTxWarp prst="textNoShape">
-              <a:avLst/>
-            </a:prstTxWarp>
-            <a:noAutofit/>
-          </a:bodyPr>
-          <a:lstStyle/>
-          <a:p>
-            <a:pPr algn="ctr"/>
-            <a:endParaRPr lang="en-US">
-              <a:solidFill>
-                <a:schemeClr val="tx1"/>
-              </a:solidFill>
-            </a:endParaRPr>
-          </a:p>
-        </p:txBody>
-      </p:sp>
-    </p:spTree>
-    <p:extLst>
-      <p:ext uri="{BB962C8B-B14F-4D97-AF65-F5344CB8AC3E}">
-        <p14:creationId xmlns:p14="http://schemas.microsoft.com/office/powerpoint/2010/main" val="3628581973"/>
-      </p:ext>
-    </p:extLst>
-  </p:cSld>
-  <p:clrMapOvr>
-    <a:masterClrMapping/>
-  </p:clrMapOvr>
-</p:sld>
-</file>
-
-<file path=ppt/slides/slide48.xml><?xml version="1.0" encoding="utf-8"?>
-<p:sld xmlns:a="http://schemas.openxmlformats.org/drawingml/2006/main" xmlns:r="http://schemas.openxmlformats.org/officeDocument/2006/relationships" xmlns:p="http://schemas.openxmlformats.org/presentationml/2006/main">
-  <p:cSld>
-    <p:spTree>
-      <p:nvGrpSpPr>
-        <p:cNvPr id="1" name=""/>
-        <p:cNvGrpSpPr/>
-        <p:nvPr/>
-      </p:nvGrpSpPr>
-      <p:grpSpPr>
-        <a:xfrm>
-          <a:off x="0" y="0"/>
-          <a:ext cx="0" cy="0"/>
-          <a:chOff x="0" y="0"/>
-          <a:chExt cx="0" cy="0"/>
-        </a:xfrm>
-      </p:grpSpPr>
-      <p:sp>
-        <p:nvSpPr>
-          <p:cNvPr id="2" name="Title 1">
-            <a:extLst>
-              <a:ext uri="{FF2B5EF4-FFF2-40B4-BE49-F238E27FC236}">
-                <a16:creationId xmlns:a16="http://schemas.microsoft.com/office/drawing/2014/main" id="{F106FC69-F4F4-477D-9A5D-63B0AEB15A9F}"/>
-              </a:ext>
-            </a:extLst>
-          </p:cNvPr>
-          <p:cNvSpPr>
-            <a:spLocks noGrp="1"/>
-          </p:cNvSpPr>
-          <p:nvPr>
-            <p:ph type="title"/>
-          </p:nvPr>
-        </p:nvSpPr>
-        <p:spPr/>
-        <p:txBody>
-          <a:bodyPr/>
-          <a:lstStyle/>
-          <a:p>
-            <a:r>
-              <a:rPr lang="en-US" dirty="0"/>
-              <a:t>Job submission</a:t>
-            </a:r>
-          </a:p>
-        </p:txBody>
-      </p:sp>
-      <p:sp>
-        <p:nvSpPr>
-          <p:cNvPr id="3" name="Content Placeholder 2">
-            <a:extLst>
-              <a:ext uri="{FF2B5EF4-FFF2-40B4-BE49-F238E27FC236}">
-                <a16:creationId xmlns:a16="http://schemas.microsoft.com/office/drawing/2014/main" id="{F7FD468D-656B-48E1-90D6-5D651345DEDD}"/>
-              </a:ext>
-            </a:extLst>
-          </p:cNvPr>
-          <p:cNvSpPr>
-            <a:spLocks noGrp="1"/>
-          </p:cNvSpPr>
-          <p:nvPr>
-            <p:ph idx="1"/>
-          </p:nvPr>
-        </p:nvSpPr>
-        <p:spPr/>
-        <p:txBody>
-          <a:bodyPr/>
-          <a:lstStyle/>
-          <a:p>
-            <a:r>
-              <a:rPr lang="en-US" dirty="0"/>
-              <a:t>Interactive mode:</a:t>
-            </a:r>
-          </a:p>
-          <a:p>
-            <a:pPr lvl="1"/>
-            <a:r>
-              <a:rPr lang="en-US" dirty="0" err="1"/>
-              <a:t>qrsh</a:t>
-            </a:r>
-            <a:r>
-              <a:rPr lang="en-US" dirty="0"/>
-              <a:t> -q </a:t>
-            </a:r>
-            <a:r>
-              <a:rPr lang="en-US" dirty="0" err="1"/>
-              <a:t>InterLowMem.q</a:t>
-            </a:r>
-            <a:endParaRPr lang="en-US" dirty="0"/>
-          </a:p>
-          <a:p>
-            <a:pPr lvl="1"/>
-            <a:r>
-              <a:rPr lang="en-US" dirty="0" err="1"/>
-              <a:t>qrsh</a:t>
-            </a:r>
-            <a:r>
-              <a:rPr lang="en-US" dirty="0"/>
-              <a:t> -q </a:t>
-            </a:r>
-            <a:r>
-              <a:rPr lang="en-US" dirty="0" err="1"/>
-              <a:t>InterLowMem.q</a:t>
-            </a:r>
-            <a:r>
-              <a:rPr lang="en-US" dirty="0"/>
-              <a:t> -pe </a:t>
-            </a:r>
-            <a:r>
-              <a:rPr lang="en-US" dirty="0" err="1"/>
-              <a:t>smp</a:t>
-            </a:r>
-            <a:r>
-              <a:rPr lang="en-US" dirty="0"/>
-              <a:t> 10 (use 10 cores)</a:t>
-            </a:r>
-          </a:p>
-          <a:p>
-            <a:pPr lvl="1"/>
-            <a:endParaRPr lang="en-US" dirty="0"/>
-          </a:p>
-        </p:txBody>
-      </p:sp>
-    </p:spTree>
-    <p:extLst>
-      <p:ext uri="{BB962C8B-B14F-4D97-AF65-F5344CB8AC3E}">
-        <p14:creationId xmlns:p14="http://schemas.microsoft.com/office/powerpoint/2010/main" val="1508385015"/>
-      </p:ext>
-    </p:extLst>
-  </p:cSld>
-  <p:clrMapOvr>
-    <a:masterClrMapping/>
-  </p:clrMapOvr>
-</p:sld>
-</file>
-
-<file path=ppt/slides/slide49.xml><?xml version="1.0" encoding="utf-8"?>
-<p:sld xmlns:a="http://schemas.openxmlformats.org/drawingml/2006/main" xmlns:r="http://schemas.openxmlformats.org/officeDocument/2006/relationships" xmlns:p="http://schemas.openxmlformats.org/presentationml/2006/main">
-  <p:cSld>
-    <p:spTree>
-      <p:nvGrpSpPr>
-        <p:cNvPr id="1" name=""/>
-        <p:cNvGrpSpPr/>
-        <p:nvPr/>
-      </p:nvGrpSpPr>
-      <p:grpSpPr>
-        <a:xfrm>
-          <a:off x="0" y="0"/>
-          <a:ext cx="0" cy="0"/>
-          <a:chOff x="0" y="0"/>
-          <a:chExt cx="0" cy="0"/>
-        </a:xfrm>
-      </p:grpSpPr>
-      <p:sp>
-        <p:nvSpPr>
-          <p:cNvPr id="2" name="Title 1">
-            <a:extLst>
-              <a:ext uri="{FF2B5EF4-FFF2-40B4-BE49-F238E27FC236}">
-                <a16:creationId xmlns:a16="http://schemas.microsoft.com/office/drawing/2014/main" id="{9EDEF7C3-40EA-4429-A67C-078CBCB4899B}"/>
-              </a:ext>
-            </a:extLst>
-          </p:cNvPr>
-          <p:cNvSpPr>
-            <a:spLocks noGrp="1"/>
-          </p:cNvSpPr>
-          <p:nvPr>
-            <p:ph type="title"/>
-          </p:nvPr>
-        </p:nvSpPr>
-        <p:spPr/>
-        <p:txBody>
-          <a:bodyPr/>
-          <a:lstStyle/>
-          <a:p>
-            <a:r>
-              <a:rPr lang="en-US" dirty="0"/>
-              <a:t>Job submission</a:t>
-            </a:r>
-          </a:p>
-        </p:txBody>
-      </p:sp>
-      <p:pic>
-        <p:nvPicPr>
-          <p:cNvPr id="4" name="Content Placeholder 3">
-            <a:extLst>
-              <a:ext uri="{FF2B5EF4-FFF2-40B4-BE49-F238E27FC236}">
-                <a16:creationId xmlns:a16="http://schemas.microsoft.com/office/drawing/2014/main" id="{B9F3C0C3-4E05-48D8-B70A-351D37544FFA}"/>
-              </a:ext>
-            </a:extLst>
-          </p:cNvPr>
-          <p:cNvPicPr>
-            <a:picLocks noGrp="1" noChangeAspect="1"/>
-          </p:cNvPicPr>
-          <p:nvPr>
-            <p:ph idx="1"/>
-          </p:nvPr>
-        </p:nvPicPr>
-        <p:blipFill>
-          <a:blip r:embed="rId2"/>
-          <a:stretch>
-            <a:fillRect/>
-          </a:stretch>
-        </p:blipFill>
-        <p:spPr>
-          <a:xfrm>
-            <a:off x="5935578" y="2229237"/>
-            <a:ext cx="5635291" cy="3606122"/>
-          </a:xfrm>
-          <a:prstGeom prst="rect">
-            <a:avLst/>
-          </a:prstGeom>
-        </p:spPr>
-      </p:pic>
-      <p:pic>
-        <p:nvPicPr>
-          <p:cNvPr id="5" name="Picture 4">
-            <a:extLst>
-              <a:ext uri="{FF2B5EF4-FFF2-40B4-BE49-F238E27FC236}">
-                <a16:creationId xmlns:a16="http://schemas.microsoft.com/office/drawing/2014/main" id="{724EA669-73F9-4322-8A46-34D507D44595}"/>
-              </a:ext>
-            </a:extLst>
-          </p:cNvPr>
-          <p:cNvPicPr>
-            <a:picLocks noChangeAspect="1"/>
-          </p:cNvPicPr>
-          <p:nvPr/>
-        </p:nvPicPr>
-        <p:blipFill>
-          <a:blip r:embed="rId3"/>
-          <a:stretch>
-            <a:fillRect/>
-          </a:stretch>
-        </p:blipFill>
-        <p:spPr>
-          <a:xfrm>
-            <a:off x="367464" y="3646535"/>
-            <a:ext cx="3371850" cy="771525"/>
-          </a:xfrm>
-          <a:prstGeom prst="rect">
-            <a:avLst/>
-          </a:prstGeom>
-        </p:spPr>
-      </p:pic>
-      <p:cxnSp>
-        <p:nvCxnSpPr>
-          <p:cNvPr id="7" name="Straight Arrow Connector 6">
-            <a:extLst>
-              <a:ext uri="{FF2B5EF4-FFF2-40B4-BE49-F238E27FC236}">
-                <a16:creationId xmlns:a16="http://schemas.microsoft.com/office/drawing/2014/main" id="{C24C47A2-9180-4E2F-A300-BF971731D04F}"/>
-              </a:ext>
-            </a:extLst>
-          </p:cNvPr>
-          <p:cNvCxnSpPr/>
-          <p:nvPr/>
-        </p:nvCxnSpPr>
-        <p:spPr>
-          <a:xfrm>
-            <a:off x="4058653" y="4032298"/>
-            <a:ext cx="1443789" cy="0"/>
-          </a:xfrm>
-          <a:prstGeom prst="straightConnector1">
-            <a:avLst/>
-          </a:prstGeom>
-          <a:ln>
-            <a:solidFill>
-              <a:srgbClr val="FF0000"/>
-            </a:solidFill>
-            <a:tailEnd type="triangle"/>
-          </a:ln>
-        </p:spPr>
-        <p:style>
-          <a:lnRef idx="1">
-            <a:schemeClr val="accent1"/>
-          </a:lnRef>
-          <a:fillRef idx="0">
-            <a:schemeClr val="accent1"/>
-          </a:fillRef>
-          <a:effectRef idx="0">
-            <a:schemeClr val="accent1"/>
-          </a:effectRef>
-          <a:fontRef idx="minor">
-            <a:schemeClr val="tx1"/>
-          </a:fontRef>
-        </p:style>
-      </p:cxnSp>
-      <p:sp>
-        <p:nvSpPr>
-          <p:cNvPr id="8" name="TextBox 7">
-            <a:extLst>
-              <a:ext uri="{FF2B5EF4-FFF2-40B4-BE49-F238E27FC236}">
-                <a16:creationId xmlns:a16="http://schemas.microsoft.com/office/drawing/2014/main" id="{EA58511F-1FED-4FD0-B7AC-D7B54C47DF92}"/>
-              </a:ext>
-            </a:extLst>
-          </p:cNvPr>
-          <p:cNvSpPr txBox="1"/>
-          <p:nvPr/>
-        </p:nvSpPr>
-        <p:spPr>
-          <a:xfrm>
-            <a:off x="3012229" y="6135445"/>
-            <a:ext cx="6904647" cy="461665"/>
-          </a:xfrm>
-          <a:prstGeom prst="rect">
-            <a:avLst/>
-          </a:prstGeom>
-          <a:noFill/>
-        </p:spPr>
-        <p:txBody>
-          <a:bodyPr wrap="none" rtlCol="0">
-            <a:spAutoFit/>
-          </a:bodyPr>
-          <a:lstStyle/>
-          <a:p>
-            <a:r>
-              <a:rPr lang="en-US" sz="2400" dirty="0"/>
-              <a:t>You can quite your interactive mode by </a:t>
-            </a:r>
-            <a:r>
-              <a:rPr lang="en-US" sz="2400" b="1" i="1" dirty="0"/>
-              <a:t>exit </a:t>
-            </a:r>
-            <a:r>
-              <a:rPr lang="en-US" sz="2400" dirty="0"/>
-              <a:t>command</a:t>
-            </a:r>
-          </a:p>
-        </p:txBody>
-      </p:sp>
-    </p:spTree>
-    <p:extLst>
-      <p:ext uri="{BB962C8B-B14F-4D97-AF65-F5344CB8AC3E}">
-        <p14:creationId xmlns:p14="http://schemas.microsoft.com/office/powerpoint/2010/main" val="54561467"/>
-      </p:ext>
-    </p:extLst>
-  </p:cSld>
-  <p:clrMapOvr>
-    <a:masterClrMapping/>
-  </p:clrMapOvr>
 </p:sld>
 </file>
 
@@ -17551,1015 +13759,6 @@
       </p:par>
     </p:tnLst>
   </p:timing>
-</p:sld>
-</file>
-
-<file path=ppt/slides/slide50.xml><?xml version="1.0" encoding="utf-8"?>
-<p:sld xmlns:a="http://schemas.openxmlformats.org/drawingml/2006/main" xmlns:r="http://schemas.openxmlformats.org/officeDocument/2006/relationships" xmlns:p="http://schemas.openxmlformats.org/presentationml/2006/main">
-  <p:cSld>
-    <p:spTree>
-      <p:nvGrpSpPr>
-        <p:cNvPr id="1" name=""/>
-        <p:cNvGrpSpPr/>
-        <p:nvPr/>
-      </p:nvGrpSpPr>
-      <p:grpSpPr>
-        <a:xfrm>
-          <a:off x="0" y="0"/>
-          <a:ext cx="0" cy="0"/>
-          <a:chOff x="0" y="0"/>
-          <a:chExt cx="0" cy="0"/>
-        </a:xfrm>
-      </p:grpSpPr>
-      <p:sp>
-        <p:nvSpPr>
-          <p:cNvPr id="2" name="Title 1">
-            <a:extLst>
-              <a:ext uri="{FF2B5EF4-FFF2-40B4-BE49-F238E27FC236}">
-                <a16:creationId xmlns:a16="http://schemas.microsoft.com/office/drawing/2014/main" id="{F106FC69-F4F4-477D-9A5D-63B0AEB15A9F}"/>
-              </a:ext>
-            </a:extLst>
-          </p:cNvPr>
-          <p:cNvSpPr>
-            <a:spLocks noGrp="1"/>
-          </p:cNvSpPr>
-          <p:nvPr>
-            <p:ph type="title"/>
-          </p:nvPr>
-        </p:nvSpPr>
-        <p:spPr>
-          <a:xfrm>
-            <a:off x="838200" y="365125"/>
-            <a:ext cx="10515600" cy="1325563"/>
-          </a:xfrm>
-        </p:spPr>
-        <p:txBody>
-          <a:bodyPr/>
-          <a:lstStyle/>
-          <a:p>
-            <a:r>
-              <a:rPr lang="en-US" dirty="0"/>
-              <a:t>Job submission</a:t>
-            </a:r>
-          </a:p>
-        </p:txBody>
-      </p:sp>
-      <p:sp>
-        <p:nvSpPr>
-          <p:cNvPr id="3" name="Content Placeholder 2">
-            <a:extLst>
-              <a:ext uri="{FF2B5EF4-FFF2-40B4-BE49-F238E27FC236}">
-                <a16:creationId xmlns:a16="http://schemas.microsoft.com/office/drawing/2014/main" id="{F7FD468D-656B-48E1-90D6-5D651345DEDD}"/>
-              </a:ext>
-            </a:extLst>
-          </p:cNvPr>
-          <p:cNvSpPr>
-            <a:spLocks noGrp="1"/>
-          </p:cNvSpPr>
-          <p:nvPr>
-            <p:ph idx="1"/>
-          </p:nvPr>
-        </p:nvSpPr>
-        <p:spPr/>
-        <p:txBody>
-          <a:bodyPr/>
-          <a:lstStyle/>
-          <a:p>
-            <a:r>
-              <a:rPr lang="en-US" dirty="0"/>
-              <a:t>Batch mode:</a:t>
-            </a:r>
-          </a:p>
-          <a:p>
-            <a:pPr lvl="1"/>
-            <a:r>
-              <a:rPr lang="en-US" dirty="0"/>
-              <a:t>Make job script, job.sh</a:t>
-            </a:r>
-          </a:p>
-          <a:p>
-            <a:pPr lvl="1"/>
-            <a:endParaRPr lang="en-US" dirty="0"/>
-          </a:p>
-          <a:p>
-            <a:pPr lvl="1"/>
-            <a:r>
-              <a:rPr lang="en-US" dirty="0"/>
-              <a:t>Submitting job:</a:t>
-            </a:r>
-          </a:p>
-          <a:p>
-            <a:pPr lvl="2"/>
-            <a:r>
-              <a:rPr lang="en-US" dirty="0" err="1"/>
-              <a:t>qsub</a:t>
-            </a:r>
-            <a:r>
-              <a:rPr lang="en-US" dirty="0"/>
-              <a:t> job.sh</a:t>
-            </a:r>
-          </a:p>
-          <a:p>
-            <a:pPr lvl="2"/>
-            <a:endParaRPr lang="en-US" dirty="0"/>
-          </a:p>
-          <a:p>
-            <a:pPr lvl="1"/>
-            <a:r>
-              <a:rPr lang="en-US" dirty="0"/>
-              <a:t>Checking status of job</a:t>
-            </a:r>
-          </a:p>
-          <a:p>
-            <a:pPr lvl="2"/>
-            <a:r>
-              <a:rPr lang="en-US" dirty="0" err="1"/>
-              <a:t>qstat</a:t>
-            </a:r>
-            <a:endParaRPr lang="en-US" dirty="0"/>
-          </a:p>
-          <a:p>
-            <a:pPr lvl="1"/>
-            <a:endParaRPr lang="en-US" dirty="0"/>
-          </a:p>
-          <a:p>
-            <a:pPr lvl="1"/>
-            <a:endParaRPr lang="en-US" dirty="0"/>
-          </a:p>
-        </p:txBody>
-      </p:sp>
-      <p:sp>
-        <p:nvSpPr>
-          <p:cNvPr id="4" name="Rectangle 3">
-            <a:extLst>
-              <a:ext uri="{FF2B5EF4-FFF2-40B4-BE49-F238E27FC236}">
-                <a16:creationId xmlns:a16="http://schemas.microsoft.com/office/drawing/2014/main" id="{19C3964D-6916-45B0-BB9B-22B0A34BFC2E}"/>
-              </a:ext>
-            </a:extLst>
-          </p:cNvPr>
-          <p:cNvSpPr/>
-          <p:nvPr/>
-        </p:nvSpPr>
-        <p:spPr>
-          <a:xfrm>
-            <a:off x="5310554" y="1529537"/>
-            <a:ext cx="6529754" cy="4278094"/>
-          </a:xfrm>
-          <a:prstGeom prst="rect">
-            <a:avLst/>
-          </a:prstGeom>
-          <a:ln>
-            <a:solidFill>
-              <a:schemeClr val="tx1"/>
-            </a:solidFill>
-          </a:ln>
-        </p:spPr>
-        <p:txBody>
-          <a:bodyPr wrap="square">
-            <a:spAutoFit/>
-          </a:bodyPr>
-          <a:lstStyle/>
-          <a:p>
-            <a:r>
-              <a:rPr lang="en-US" sz="1600" b="1" dirty="0"/>
-              <a:t>job.sh</a:t>
-            </a:r>
-          </a:p>
-          <a:p>
-            <a:endParaRPr lang="en-US" sz="1600" dirty="0"/>
-          </a:p>
-          <a:p>
-            <a:endParaRPr lang="en-US" sz="1600" dirty="0"/>
-          </a:p>
-          <a:p>
-            <a:r>
-              <a:rPr lang="en-US" sz="1600" dirty="0"/>
-              <a:t>#!/bin/</a:t>
-            </a:r>
-            <a:r>
-              <a:rPr lang="en-US" sz="1600" dirty="0" err="1"/>
-              <a:t>sh</a:t>
-            </a:r>
-            <a:endParaRPr lang="en-US" sz="1600" dirty="0"/>
-          </a:p>
-          <a:p>
-            <a:r>
-              <a:rPr lang="en-US" sz="1600" dirty="0"/>
-              <a:t>#$ -pe </a:t>
-            </a:r>
-            <a:r>
-              <a:rPr lang="en-US" sz="1600" dirty="0" err="1"/>
-              <a:t>smp</a:t>
-            </a:r>
-            <a:r>
-              <a:rPr lang="en-US" sz="1600" dirty="0"/>
-              <a:t> 16</a:t>
-            </a:r>
-          </a:p>
-          <a:p>
-            <a:r>
-              <a:rPr lang="en-US" sz="1600" dirty="0"/>
-              <a:t>#$ -</a:t>
-            </a:r>
-            <a:r>
-              <a:rPr lang="en-US" sz="1600" dirty="0" err="1"/>
-              <a:t>cwd</a:t>
-            </a:r>
-            <a:endParaRPr lang="en-US" sz="1600" dirty="0"/>
-          </a:p>
-          <a:p>
-            <a:r>
-              <a:rPr lang="en-US" sz="1600" dirty="0"/>
-              <a:t>#$ -N id9.meteor.left</a:t>
-            </a:r>
-          </a:p>
-          <a:p>
-            <a:r>
-              <a:rPr lang="en-US" sz="1600" dirty="0"/>
-              <a:t>#$ -q   </a:t>
-            </a:r>
-            <a:r>
-              <a:rPr lang="en-US" sz="1600" dirty="0" err="1"/>
-              <a:t>HighMemLongterm.q,LowMemShortterm.q,LowMemLongterm.q</a:t>
-            </a:r>
-            <a:endParaRPr lang="en-US" sz="1600" dirty="0"/>
-          </a:p>
-          <a:p>
-            <a:r>
-              <a:rPr lang="en-US" sz="1600" dirty="0"/>
-              <a:t>#$ -j y</a:t>
-            </a:r>
-          </a:p>
-          <a:p>
-            <a:r>
-              <a:rPr lang="en-US" sz="1600" dirty="0"/>
-              <a:t>#$ -R y</a:t>
-            </a:r>
-          </a:p>
-          <a:p>
-            <a:r>
-              <a:rPr lang="en-US" sz="1600" dirty="0"/>
-              <a:t>#$ -l </a:t>
-            </a:r>
-            <a:r>
-              <a:rPr lang="en-US" sz="1600" dirty="0" err="1"/>
-              <a:t>h_vmem</a:t>
-            </a:r>
-            <a:r>
-              <a:rPr lang="en-US" sz="1600" dirty="0"/>
-              <a:t>=18G</a:t>
-            </a:r>
-          </a:p>
-          <a:p>
-            <a:r>
-              <a:rPr lang="en-US" sz="1600" dirty="0"/>
-              <a:t>#$ -l </a:t>
-            </a:r>
-            <a:r>
-              <a:rPr lang="en-US" sz="1600" dirty="0" err="1"/>
-              <a:t>h_rt</a:t>
-            </a:r>
-            <a:r>
-              <a:rPr lang="en-US" sz="1600" dirty="0"/>
-              <a:t>=5:00:00</a:t>
-            </a:r>
-          </a:p>
-          <a:p>
-            <a:endParaRPr lang="en-US" sz="1600" dirty="0"/>
-          </a:p>
-          <a:p>
-            <a:r>
-              <a:rPr lang="en-US" sz="1600" dirty="0"/>
-              <a:t>## any commands for execution ##</a:t>
-            </a:r>
-          </a:p>
-          <a:p>
-            <a:r>
-              <a:rPr lang="en-US" sz="1600" dirty="0" err="1"/>
-              <a:t>wget</a:t>
-            </a:r>
-            <a:r>
-              <a:rPr lang="en-US" sz="1600" dirty="0"/>
-              <a:t> </a:t>
-            </a:r>
-            <a:r>
-              <a:rPr lang="en-US" sz="1600" dirty="0" err="1"/>
-              <a:t>aaa.ttt.tttx</a:t>
-            </a:r>
-            <a:endParaRPr lang="en-US" sz="1600" dirty="0"/>
-          </a:p>
-          <a:p>
-            <a:endParaRPr lang="en-US" sz="1600" dirty="0"/>
-          </a:p>
-          <a:p>
-            <a:r>
-              <a:rPr lang="en-US" sz="1600" dirty="0"/>
-              <a:t>echo “download finished”</a:t>
-            </a:r>
-          </a:p>
-        </p:txBody>
-      </p:sp>
-    </p:spTree>
-    <p:extLst>
-      <p:ext uri="{BB962C8B-B14F-4D97-AF65-F5344CB8AC3E}">
-        <p14:creationId xmlns:p14="http://schemas.microsoft.com/office/powerpoint/2010/main" val="114686475"/>
-      </p:ext>
-    </p:extLst>
-  </p:cSld>
-  <p:clrMapOvr>
-    <a:masterClrMapping/>
-  </p:clrMapOvr>
-</p:sld>
-</file>
-
-<file path=ppt/slides/slide51.xml><?xml version="1.0" encoding="utf-8"?>
-<p:sld xmlns:a="http://schemas.openxmlformats.org/drawingml/2006/main" xmlns:r="http://schemas.openxmlformats.org/officeDocument/2006/relationships" xmlns:p="http://schemas.openxmlformats.org/presentationml/2006/main">
-  <p:cSld>
-    <p:spTree>
-      <p:nvGrpSpPr>
-        <p:cNvPr id="1" name=""/>
-        <p:cNvGrpSpPr/>
-        <p:nvPr/>
-      </p:nvGrpSpPr>
-      <p:grpSpPr>
-        <a:xfrm>
-          <a:off x="0" y="0"/>
-          <a:ext cx="0" cy="0"/>
-          <a:chOff x="0" y="0"/>
-          <a:chExt cx="0" cy="0"/>
-        </a:xfrm>
-      </p:grpSpPr>
-      <p:sp>
-        <p:nvSpPr>
-          <p:cNvPr id="2" name="Title 1">
-            <a:extLst>
-              <a:ext uri="{FF2B5EF4-FFF2-40B4-BE49-F238E27FC236}">
-                <a16:creationId xmlns:a16="http://schemas.microsoft.com/office/drawing/2014/main" id="{7B2C48CA-6D35-4B81-85C0-85B0AE11F802}"/>
-              </a:ext>
-            </a:extLst>
-          </p:cNvPr>
-          <p:cNvSpPr>
-            <a:spLocks noGrp="1"/>
-          </p:cNvSpPr>
-          <p:nvPr>
-            <p:ph type="title"/>
-          </p:nvPr>
-        </p:nvSpPr>
-        <p:spPr/>
-        <p:txBody>
-          <a:bodyPr/>
-          <a:lstStyle/>
-          <a:p>
-            <a:r>
-              <a:rPr lang="en-US" dirty="0"/>
-              <a:t>Shell scripting</a:t>
-            </a:r>
-          </a:p>
-        </p:txBody>
-      </p:sp>
-      <p:sp>
-        <p:nvSpPr>
-          <p:cNvPr id="3" name="Content Placeholder 2">
-            <a:extLst>
-              <a:ext uri="{FF2B5EF4-FFF2-40B4-BE49-F238E27FC236}">
-                <a16:creationId xmlns:a16="http://schemas.microsoft.com/office/drawing/2014/main" id="{D611606E-FB3D-478F-BFB8-A1DD26F8F383}"/>
-              </a:ext>
-            </a:extLst>
-          </p:cNvPr>
-          <p:cNvSpPr>
-            <a:spLocks noGrp="1"/>
-          </p:cNvSpPr>
-          <p:nvPr>
-            <p:ph idx="1"/>
-          </p:nvPr>
-        </p:nvSpPr>
-        <p:spPr/>
-        <p:txBody>
-          <a:bodyPr/>
-          <a:lstStyle/>
-          <a:p>
-            <a:r>
-              <a:rPr lang="en-US" dirty="0"/>
-              <a:t>Declaration of variables:</a:t>
-            </a:r>
-          </a:p>
-          <a:p>
-            <a:pPr lvl="1"/>
-            <a:r>
-              <a:rPr lang="en-US" dirty="0"/>
-              <a:t>var1=341 </a:t>
-            </a:r>
-          </a:p>
-          <a:p>
-            <a:pPr lvl="1"/>
-            <a:r>
-              <a:rPr lang="en-US" dirty="0"/>
-              <a:t>(there is no space between =, var1, and 341)</a:t>
-            </a:r>
-          </a:p>
-          <a:p>
-            <a:pPr lvl="1"/>
-            <a:r>
-              <a:rPr lang="en-US" dirty="0"/>
-              <a:t>var2=$(($var1 + 12))</a:t>
-            </a:r>
-          </a:p>
-          <a:p>
-            <a:r>
-              <a:rPr lang="en-US" dirty="0"/>
-              <a:t>Printing value of variables:</a:t>
-            </a:r>
-          </a:p>
-          <a:p>
-            <a:pPr lvl="1"/>
-            <a:r>
-              <a:rPr lang="en-US" dirty="0"/>
-              <a:t>echo $var1</a:t>
-            </a:r>
-          </a:p>
-          <a:p>
-            <a:pPr lvl="1"/>
-            <a:r>
-              <a:rPr lang="en-US" dirty="0"/>
-              <a:t>echo ${var1}</a:t>
-            </a:r>
-          </a:p>
-          <a:p>
-            <a:r>
-              <a:rPr lang="en-US" dirty="0"/>
-              <a:t>Printing environment variables:</a:t>
-            </a:r>
-          </a:p>
-          <a:p>
-            <a:pPr lvl="1"/>
-            <a:r>
-              <a:rPr lang="en-US" dirty="0"/>
-              <a:t>echo $PWD</a:t>
-            </a:r>
-          </a:p>
-          <a:p>
-            <a:pPr lvl="1"/>
-            <a:r>
-              <a:rPr lang="en-US" dirty="0"/>
-              <a:t>echo $HOME</a:t>
-            </a:r>
-          </a:p>
-        </p:txBody>
-      </p:sp>
-    </p:spTree>
-    <p:extLst>
-      <p:ext uri="{BB962C8B-B14F-4D97-AF65-F5344CB8AC3E}">
-        <p14:creationId xmlns:p14="http://schemas.microsoft.com/office/powerpoint/2010/main" val="1113043546"/>
-      </p:ext>
-    </p:extLst>
-  </p:cSld>
-  <p:clrMapOvr>
-    <a:masterClrMapping/>
-  </p:clrMapOvr>
-</p:sld>
-</file>
-
-<file path=ppt/slides/slide52.xml><?xml version="1.0" encoding="utf-8"?>
-<p:sld xmlns:a="http://schemas.openxmlformats.org/drawingml/2006/main" xmlns:r="http://schemas.openxmlformats.org/officeDocument/2006/relationships" xmlns:p="http://schemas.openxmlformats.org/presentationml/2006/main">
-  <p:cSld>
-    <p:spTree>
-      <p:nvGrpSpPr>
-        <p:cNvPr id="1" name=""/>
-        <p:cNvGrpSpPr/>
-        <p:nvPr/>
-      </p:nvGrpSpPr>
-      <p:grpSpPr>
-        <a:xfrm>
-          <a:off x="0" y="0"/>
-          <a:ext cx="0" cy="0"/>
-          <a:chOff x="0" y="0"/>
-          <a:chExt cx="0" cy="0"/>
-        </a:xfrm>
-      </p:grpSpPr>
-      <p:sp>
-        <p:nvSpPr>
-          <p:cNvPr id="2" name="Title 1">
-            <a:extLst>
-              <a:ext uri="{FF2B5EF4-FFF2-40B4-BE49-F238E27FC236}">
-                <a16:creationId xmlns:a16="http://schemas.microsoft.com/office/drawing/2014/main" id="{D716D334-6BE8-428D-BD99-01B92D201682}"/>
-              </a:ext>
-            </a:extLst>
-          </p:cNvPr>
-          <p:cNvSpPr>
-            <a:spLocks noGrp="1"/>
-          </p:cNvSpPr>
-          <p:nvPr>
-            <p:ph type="title"/>
-          </p:nvPr>
-        </p:nvSpPr>
-        <p:spPr/>
-        <p:txBody>
-          <a:bodyPr/>
-          <a:lstStyle/>
-          <a:p>
-            <a:r>
-              <a:rPr lang="en-US" dirty="0"/>
-              <a:t>Bash scripting</a:t>
-            </a:r>
-          </a:p>
-        </p:txBody>
-      </p:sp>
-      <p:pic>
-        <p:nvPicPr>
-          <p:cNvPr id="4" name="Content Placeholder 3">
-            <a:extLst>
-              <a:ext uri="{FF2B5EF4-FFF2-40B4-BE49-F238E27FC236}">
-                <a16:creationId xmlns:a16="http://schemas.microsoft.com/office/drawing/2014/main" id="{CD8F4A64-8843-4351-B8F7-8710A244494F}"/>
-              </a:ext>
-            </a:extLst>
-          </p:cNvPr>
-          <p:cNvPicPr>
-            <a:picLocks noGrp="1" noChangeAspect="1"/>
-          </p:cNvPicPr>
-          <p:nvPr>
-            <p:ph idx="1"/>
-          </p:nvPr>
-        </p:nvPicPr>
-        <p:blipFill>
-          <a:blip r:embed="rId2"/>
-          <a:stretch>
-            <a:fillRect/>
-          </a:stretch>
-        </p:blipFill>
-        <p:spPr>
-          <a:xfrm>
-            <a:off x="580022" y="1834314"/>
-            <a:ext cx="5353050" cy="2676525"/>
-          </a:xfrm>
-          <a:prstGeom prst="rect">
-            <a:avLst/>
-          </a:prstGeom>
-        </p:spPr>
-      </p:pic>
-      <p:pic>
-        <p:nvPicPr>
-          <p:cNvPr id="5" name="Picture 4">
-            <a:extLst>
-              <a:ext uri="{FF2B5EF4-FFF2-40B4-BE49-F238E27FC236}">
-                <a16:creationId xmlns:a16="http://schemas.microsoft.com/office/drawing/2014/main" id="{10874D09-CCBF-4318-8D42-C31DC2BCCFC9}"/>
-              </a:ext>
-            </a:extLst>
-          </p:cNvPr>
-          <p:cNvPicPr>
-            <a:picLocks noChangeAspect="1"/>
-          </p:cNvPicPr>
-          <p:nvPr/>
-        </p:nvPicPr>
-        <p:blipFill>
-          <a:blip r:embed="rId3"/>
-          <a:stretch>
-            <a:fillRect/>
-          </a:stretch>
-        </p:blipFill>
-        <p:spPr>
-          <a:xfrm>
-            <a:off x="6713621" y="1834314"/>
-            <a:ext cx="5181600" cy="4248150"/>
-          </a:xfrm>
-          <a:prstGeom prst="rect">
-            <a:avLst/>
-          </a:prstGeom>
-        </p:spPr>
-      </p:pic>
-    </p:spTree>
-    <p:extLst>
-      <p:ext uri="{BB962C8B-B14F-4D97-AF65-F5344CB8AC3E}">
-        <p14:creationId xmlns:p14="http://schemas.microsoft.com/office/powerpoint/2010/main" val="3627868924"/>
-      </p:ext>
-    </p:extLst>
-  </p:cSld>
-  <p:clrMapOvr>
-    <a:masterClrMapping/>
-  </p:clrMapOvr>
-</p:sld>
-</file>
-
-<file path=ppt/slides/slide53.xml><?xml version="1.0" encoding="utf-8"?>
-<p:sld xmlns:a="http://schemas.openxmlformats.org/drawingml/2006/main" xmlns:r="http://schemas.openxmlformats.org/officeDocument/2006/relationships" xmlns:p="http://schemas.openxmlformats.org/presentationml/2006/main">
-  <p:cSld>
-    <p:spTree>
-      <p:nvGrpSpPr>
-        <p:cNvPr id="1" name=""/>
-        <p:cNvGrpSpPr/>
-        <p:nvPr/>
-      </p:nvGrpSpPr>
-      <p:grpSpPr>
-        <a:xfrm>
-          <a:off x="0" y="0"/>
-          <a:ext cx="0" cy="0"/>
-          <a:chOff x="0" y="0"/>
-          <a:chExt cx="0" cy="0"/>
-        </a:xfrm>
-      </p:grpSpPr>
-      <p:sp>
-        <p:nvSpPr>
-          <p:cNvPr id="2" name="Title 1">
-            <a:extLst>
-              <a:ext uri="{FF2B5EF4-FFF2-40B4-BE49-F238E27FC236}">
-                <a16:creationId xmlns:a16="http://schemas.microsoft.com/office/drawing/2014/main" id="{F106FC69-F4F4-477D-9A5D-63B0AEB15A9F}"/>
-              </a:ext>
-            </a:extLst>
-          </p:cNvPr>
-          <p:cNvSpPr>
-            <a:spLocks noGrp="1"/>
-          </p:cNvSpPr>
-          <p:nvPr>
-            <p:ph type="title"/>
-          </p:nvPr>
-        </p:nvSpPr>
-        <p:spPr/>
-        <p:txBody>
-          <a:bodyPr/>
-          <a:lstStyle/>
-          <a:p>
-            <a:r>
-              <a:rPr lang="en-US" dirty="0"/>
-              <a:t>How much resource are you using</a:t>
-            </a:r>
-          </a:p>
-        </p:txBody>
-      </p:sp>
-      <p:sp>
-        <p:nvSpPr>
-          <p:cNvPr id="3" name="Content Placeholder 2">
-            <a:extLst>
-              <a:ext uri="{FF2B5EF4-FFF2-40B4-BE49-F238E27FC236}">
-                <a16:creationId xmlns:a16="http://schemas.microsoft.com/office/drawing/2014/main" id="{F7FD468D-656B-48E1-90D6-5D651345DEDD}"/>
-              </a:ext>
-            </a:extLst>
-          </p:cNvPr>
-          <p:cNvSpPr>
-            <a:spLocks noGrp="1"/>
-          </p:cNvSpPr>
-          <p:nvPr>
-            <p:ph idx="1"/>
-          </p:nvPr>
-        </p:nvSpPr>
-        <p:spPr/>
-        <p:txBody>
-          <a:bodyPr/>
-          <a:lstStyle/>
-          <a:p>
-            <a:r>
-              <a:rPr lang="en-US" dirty="0"/>
-              <a:t>How much space you are using at Rosalind</a:t>
-            </a:r>
-          </a:p>
-          <a:p>
-            <a:pPr lvl="1"/>
-            <a:r>
-              <a:rPr lang="en-US" dirty="0" err="1"/>
-              <a:t>lfs</a:t>
-            </a:r>
-            <a:r>
-              <a:rPr lang="en-US" dirty="0"/>
-              <a:t> quota -h  /</a:t>
-            </a:r>
-            <a:r>
-              <a:rPr lang="en-US" dirty="0" err="1"/>
-              <a:t>mnt</a:t>
-            </a:r>
-            <a:r>
-              <a:rPr lang="en-US" dirty="0"/>
-              <a:t>/</a:t>
-            </a:r>
-            <a:r>
-              <a:rPr lang="en-US" dirty="0" err="1"/>
-              <a:t>lustre</a:t>
-            </a:r>
-            <a:endParaRPr lang="en-US" dirty="0"/>
-          </a:p>
-          <a:p>
-            <a:pPr lvl="1"/>
-            <a:endParaRPr lang="en-US" dirty="0"/>
-          </a:p>
-          <a:p>
-            <a:r>
-              <a:rPr lang="en-US" dirty="0"/>
-              <a:t>Which processes are running now</a:t>
-            </a:r>
-          </a:p>
-          <a:p>
-            <a:pPr lvl="1"/>
-            <a:r>
-              <a:rPr lang="en-US" dirty="0"/>
-              <a:t>top, </a:t>
-            </a:r>
-            <a:r>
-              <a:rPr lang="en-US" dirty="0" err="1"/>
-              <a:t>htop</a:t>
-            </a:r>
-            <a:r>
-              <a:rPr lang="en-US" dirty="0"/>
-              <a:t> (escaping by “q”)</a:t>
-            </a:r>
-          </a:p>
-          <a:p>
-            <a:pPr lvl="1"/>
-            <a:endParaRPr lang="en-US" dirty="0"/>
-          </a:p>
-        </p:txBody>
-      </p:sp>
-    </p:spTree>
-    <p:extLst>
-      <p:ext uri="{BB962C8B-B14F-4D97-AF65-F5344CB8AC3E}">
-        <p14:creationId xmlns:p14="http://schemas.microsoft.com/office/powerpoint/2010/main" val="3774960583"/>
-      </p:ext>
-    </p:extLst>
-  </p:cSld>
-  <p:clrMapOvr>
-    <a:masterClrMapping/>
-  </p:clrMapOvr>
-</p:sld>
-</file>
-
-<file path=ppt/slides/slide54.xml><?xml version="1.0" encoding="utf-8"?>
-<p:sld xmlns:a="http://schemas.openxmlformats.org/drawingml/2006/main" xmlns:r="http://schemas.openxmlformats.org/officeDocument/2006/relationships" xmlns:p="http://schemas.openxmlformats.org/presentationml/2006/main">
-  <p:cSld>
-    <p:spTree>
-      <p:nvGrpSpPr>
-        <p:cNvPr id="1" name=""/>
-        <p:cNvGrpSpPr/>
-        <p:nvPr/>
-      </p:nvGrpSpPr>
-      <p:grpSpPr>
-        <a:xfrm>
-          <a:off x="0" y="0"/>
-          <a:ext cx="0" cy="0"/>
-          <a:chOff x="0" y="0"/>
-          <a:chExt cx="0" cy="0"/>
-        </a:xfrm>
-      </p:grpSpPr>
-      <p:sp>
-        <p:nvSpPr>
-          <p:cNvPr id="2" name="Title 1">
-            <a:extLst>
-              <a:ext uri="{FF2B5EF4-FFF2-40B4-BE49-F238E27FC236}">
-                <a16:creationId xmlns:a16="http://schemas.microsoft.com/office/drawing/2014/main" id="{59FCD38C-D28D-4E4B-AA47-03D6AE8A3758}"/>
-              </a:ext>
-            </a:extLst>
-          </p:cNvPr>
-          <p:cNvSpPr>
-            <a:spLocks noGrp="1"/>
-          </p:cNvSpPr>
-          <p:nvPr>
-            <p:ph type="title"/>
-          </p:nvPr>
-        </p:nvSpPr>
-        <p:spPr/>
-        <p:txBody>
-          <a:bodyPr/>
-          <a:lstStyle/>
-          <a:p>
-            <a:r>
-              <a:rPr lang="en-US" dirty="0"/>
-              <a:t>Tasks </a:t>
-            </a:r>
-          </a:p>
-        </p:txBody>
-      </p:sp>
-      <p:sp>
-        <p:nvSpPr>
-          <p:cNvPr id="3" name="Content Placeholder 2">
-            <a:extLst>
-              <a:ext uri="{FF2B5EF4-FFF2-40B4-BE49-F238E27FC236}">
-                <a16:creationId xmlns:a16="http://schemas.microsoft.com/office/drawing/2014/main" id="{42E5C526-63D6-41DF-9E3C-3270CD1C124B}"/>
-              </a:ext>
-            </a:extLst>
-          </p:cNvPr>
-          <p:cNvSpPr>
-            <a:spLocks noGrp="1"/>
-          </p:cNvSpPr>
-          <p:nvPr>
-            <p:ph idx="1"/>
-          </p:nvPr>
-        </p:nvSpPr>
-        <p:spPr/>
-        <p:txBody>
-          <a:bodyPr>
-            <a:normAutofit fontScale="92500" lnSpcReduction="20000"/>
-          </a:bodyPr>
-          <a:lstStyle/>
-          <a:p>
-            <a:r>
-              <a:rPr lang="en-US" dirty="0"/>
-              <a:t>Download file by job submission (batch mode)</a:t>
-            </a:r>
-          </a:p>
-          <a:p>
-            <a:pPr lvl="1"/>
-            <a:r>
-              <a:rPr lang="en-US" dirty="0"/>
-              <a:t>Tip: use </a:t>
-            </a:r>
-            <a:r>
-              <a:rPr lang="en-US" i="1" dirty="0" err="1"/>
-              <a:t>wget</a:t>
-            </a:r>
-            <a:r>
-              <a:rPr lang="en-US" i="1" dirty="0"/>
-              <a:t> </a:t>
-            </a:r>
-            <a:r>
-              <a:rPr lang="en-US" dirty="0"/>
-              <a:t>function</a:t>
-            </a:r>
-          </a:p>
-          <a:p>
-            <a:pPr lvl="1"/>
-            <a:r>
-              <a:rPr lang="en-US" dirty="0"/>
-              <a:t>File link: ftp.sra.ebi.ac.uk/vol1/</a:t>
-            </a:r>
-            <a:r>
-              <a:rPr lang="en-US" dirty="0" err="1"/>
-              <a:t>fastq</a:t>
-            </a:r>
-            <a:r>
-              <a:rPr lang="en-US" dirty="0"/>
-              <a:t>/ERR589/ERR589353/ERR589353_1.fastq.gz</a:t>
-            </a:r>
-          </a:p>
-          <a:p>
-            <a:pPr lvl="1"/>
-            <a:endParaRPr lang="en-US" dirty="0"/>
-          </a:p>
-          <a:p>
-            <a:r>
-              <a:rPr lang="en-US" dirty="0"/>
-              <a:t>Decompress downloaded </a:t>
-            </a:r>
-            <a:r>
-              <a:rPr lang="en-US" dirty="0" err="1"/>
-              <a:t>gzip</a:t>
-            </a:r>
-            <a:r>
-              <a:rPr lang="en-US" dirty="0"/>
-              <a:t> file:</a:t>
-            </a:r>
-          </a:p>
-          <a:p>
-            <a:pPr lvl="1"/>
-            <a:r>
-              <a:rPr lang="en-US" dirty="0"/>
-              <a:t>Tip: </a:t>
-            </a:r>
-            <a:r>
-              <a:rPr lang="en-US" dirty="0" err="1"/>
-              <a:t>gzip</a:t>
-            </a:r>
-            <a:r>
-              <a:rPr lang="en-US" dirty="0"/>
-              <a:t> -d </a:t>
-            </a:r>
-            <a:r>
-              <a:rPr lang="en-US" i="1" dirty="0"/>
-              <a:t>file</a:t>
-            </a:r>
-          </a:p>
-          <a:p>
-            <a:pPr lvl="1"/>
-            <a:endParaRPr lang="en-US" i="1" dirty="0"/>
-          </a:p>
-          <a:p>
-            <a:r>
-              <a:rPr lang="en-US" dirty="0"/>
-              <a:t>Printing head of file:</a:t>
-            </a:r>
-          </a:p>
-          <a:p>
-            <a:pPr lvl="1"/>
-            <a:r>
-              <a:rPr lang="en-US" dirty="0"/>
-              <a:t>Tip: head</a:t>
-            </a:r>
-          </a:p>
-          <a:p>
-            <a:endParaRPr lang="en-US" dirty="0"/>
-          </a:p>
-          <a:p>
-            <a:r>
-              <a:rPr lang="en-US" dirty="0"/>
-              <a:t>Find any sequence pattern of your interest from a file</a:t>
-            </a:r>
-          </a:p>
-          <a:p>
-            <a:pPr lvl="1"/>
-            <a:r>
-              <a:rPr lang="en-US" dirty="0"/>
-              <a:t>Tip: grep </a:t>
-            </a:r>
-            <a:r>
-              <a:rPr lang="en-US" i="1" dirty="0"/>
-              <a:t>AGGAGGAGGTTCA file</a:t>
-            </a:r>
-          </a:p>
-        </p:txBody>
-      </p:sp>
-    </p:spTree>
-    <p:extLst>
-      <p:ext uri="{BB962C8B-B14F-4D97-AF65-F5344CB8AC3E}">
-        <p14:creationId xmlns:p14="http://schemas.microsoft.com/office/powerpoint/2010/main" val="1634411842"/>
-      </p:ext>
-    </p:extLst>
-  </p:cSld>
-  <p:clrMapOvr>
-    <a:masterClrMapping/>
-  </p:clrMapOvr>
-</p:sld>
-</file>
-
-<file path=ppt/slides/slide55.xml><?xml version="1.0" encoding="utf-8"?>
-<p:sld xmlns:a="http://schemas.openxmlformats.org/drawingml/2006/main" xmlns:r="http://schemas.openxmlformats.org/officeDocument/2006/relationships" xmlns:p="http://schemas.openxmlformats.org/presentationml/2006/main">
-  <p:cSld>
-    <p:spTree>
-      <p:nvGrpSpPr>
-        <p:cNvPr id="1" name=""/>
-        <p:cNvGrpSpPr/>
-        <p:nvPr/>
-      </p:nvGrpSpPr>
-      <p:grpSpPr>
-        <a:xfrm>
-          <a:off x="0" y="0"/>
-          <a:ext cx="0" cy="0"/>
-          <a:chOff x="0" y="0"/>
-          <a:chExt cx="0" cy="0"/>
-        </a:xfrm>
-      </p:grpSpPr>
-      <p:sp>
-        <p:nvSpPr>
-          <p:cNvPr id="2" name="Title 1">
-            <a:extLst>
-              <a:ext uri="{FF2B5EF4-FFF2-40B4-BE49-F238E27FC236}">
-                <a16:creationId xmlns:a16="http://schemas.microsoft.com/office/drawing/2014/main" id="{0292D7BF-094D-42F9-95B7-1397F045909C}"/>
-              </a:ext>
-            </a:extLst>
-          </p:cNvPr>
-          <p:cNvSpPr>
-            <a:spLocks noGrp="1"/>
-          </p:cNvSpPr>
-          <p:nvPr>
-            <p:ph type="title"/>
-          </p:nvPr>
-        </p:nvSpPr>
-        <p:spPr/>
-        <p:txBody>
-          <a:bodyPr/>
-          <a:lstStyle/>
-          <a:p>
-            <a:r>
-              <a:rPr lang="en-US" dirty="0"/>
-              <a:t>Credits</a:t>
-            </a:r>
-          </a:p>
-        </p:txBody>
-      </p:sp>
-      <p:sp>
-        <p:nvSpPr>
-          <p:cNvPr id="3" name="Content Placeholder 2">
-            <a:extLst>
-              <a:ext uri="{FF2B5EF4-FFF2-40B4-BE49-F238E27FC236}">
-                <a16:creationId xmlns:a16="http://schemas.microsoft.com/office/drawing/2014/main" id="{5615D116-A3D6-4901-B0BE-25C1239E4A7E}"/>
-              </a:ext>
-            </a:extLst>
-          </p:cNvPr>
-          <p:cNvSpPr>
-            <a:spLocks noGrp="1"/>
-          </p:cNvSpPr>
-          <p:nvPr>
-            <p:ph idx="1"/>
-          </p:nvPr>
-        </p:nvSpPr>
-        <p:spPr/>
-        <p:txBody>
-          <a:bodyPr/>
-          <a:lstStyle/>
-          <a:p>
-            <a:r>
-              <a:rPr lang="en-US" dirty="0"/>
-              <a:t>Many were adopted from C3SE introduction course</a:t>
-            </a:r>
-          </a:p>
-          <a:p>
-            <a:endParaRPr lang="en-US" dirty="0"/>
-          </a:p>
-        </p:txBody>
-      </p:sp>
-    </p:spTree>
-    <p:extLst>
-      <p:ext uri="{BB962C8B-B14F-4D97-AF65-F5344CB8AC3E}">
-        <p14:creationId xmlns:p14="http://schemas.microsoft.com/office/powerpoint/2010/main" val="2491796934"/>
-      </p:ext>
-    </p:extLst>
-  </p:cSld>
-  <p:clrMapOvr>
-    <a:masterClrMapping/>
-  </p:clrMapOvr>
 </p:sld>
 </file>
 
